--- a/images/images.pptx
+++ b/images/images.pptx
@@ -205,7 +205,7 @@
           <a:p>
             <a:fld id="{2BF40F98-279B-984E-813D-F8C75C14725D}" type="datetimeFigureOut">
               <a:rPr lang="en-US" smtClean="0"/>
-              <a:t>3/24/25</a:t>
+              <a:t>7/28/25</a:t>
             </a:fld>
             <a:endParaRPr lang="en-US" dirty="0"/>
           </a:p>
@@ -619,7 +619,7 @@
           <a:p>
             <a:fld id="{94AF7B9F-3A11-934B-9C29-5145B1FA1C2C}" type="datetimeFigureOut">
               <a:rPr lang="en-US" smtClean="0"/>
-              <a:t>3/24/25</a:t>
+              <a:t>7/28/25</a:t>
             </a:fld>
             <a:endParaRPr lang="en-US" dirty="0"/>
           </a:p>
@@ -817,7 +817,7 @@
           <a:p>
             <a:fld id="{94AF7B9F-3A11-934B-9C29-5145B1FA1C2C}" type="datetimeFigureOut">
               <a:rPr lang="en-US" smtClean="0"/>
-              <a:t>3/24/25</a:t>
+              <a:t>7/28/25</a:t>
             </a:fld>
             <a:endParaRPr lang="en-US" dirty="0"/>
           </a:p>
@@ -1025,7 +1025,7 @@
           <a:p>
             <a:fld id="{94AF7B9F-3A11-934B-9C29-5145B1FA1C2C}" type="datetimeFigureOut">
               <a:rPr lang="en-US" smtClean="0"/>
-              <a:t>3/24/25</a:t>
+              <a:t>7/28/25</a:t>
             </a:fld>
             <a:endParaRPr lang="en-US" dirty="0"/>
           </a:p>
@@ -1223,7 +1223,7 @@
           <a:p>
             <a:fld id="{94AF7B9F-3A11-934B-9C29-5145B1FA1C2C}" type="datetimeFigureOut">
               <a:rPr lang="en-US" smtClean="0"/>
-              <a:t>3/24/25</a:t>
+              <a:t>7/28/25</a:t>
             </a:fld>
             <a:endParaRPr lang="en-US" dirty="0"/>
           </a:p>
@@ -1498,7 +1498,7 @@
           <a:p>
             <a:fld id="{94AF7B9F-3A11-934B-9C29-5145B1FA1C2C}" type="datetimeFigureOut">
               <a:rPr lang="en-US" smtClean="0"/>
-              <a:t>3/24/25</a:t>
+              <a:t>7/28/25</a:t>
             </a:fld>
             <a:endParaRPr lang="en-US" dirty="0"/>
           </a:p>
@@ -1763,7 +1763,7 @@
           <a:p>
             <a:fld id="{94AF7B9F-3A11-934B-9C29-5145B1FA1C2C}" type="datetimeFigureOut">
               <a:rPr lang="en-US" smtClean="0"/>
-              <a:t>3/24/25</a:t>
+              <a:t>7/28/25</a:t>
             </a:fld>
             <a:endParaRPr lang="en-US" dirty="0"/>
           </a:p>
@@ -2175,7 +2175,7 @@
           <a:p>
             <a:fld id="{94AF7B9F-3A11-934B-9C29-5145B1FA1C2C}" type="datetimeFigureOut">
               <a:rPr lang="en-US" smtClean="0"/>
-              <a:t>3/24/25</a:t>
+              <a:t>7/28/25</a:t>
             </a:fld>
             <a:endParaRPr lang="en-US" dirty="0"/>
           </a:p>
@@ -2316,7 +2316,7 @@
           <a:p>
             <a:fld id="{94AF7B9F-3A11-934B-9C29-5145B1FA1C2C}" type="datetimeFigureOut">
               <a:rPr lang="en-US" smtClean="0"/>
-              <a:t>3/24/25</a:t>
+              <a:t>7/28/25</a:t>
             </a:fld>
             <a:endParaRPr lang="en-US" dirty="0"/>
           </a:p>
@@ -2429,7 +2429,7 @@
           <a:p>
             <a:fld id="{94AF7B9F-3A11-934B-9C29-5145B1FA1C2C}" type="datetimeFigureOut">
               <a:rPr lang="en-US" smtClean="0"/>
-              <a:t>3/24/25</a:t>
+              <a:t>7/28/25</a:t>
             </a:fld>
             <a:endParaRPr lang="en-US" dirty="0"/>
           </a:p>
@@ -2740,7 +2740,7 @@
           <a:p>
             <a:fld id="{94AF7B9F-3A11-934B-9C29-5145B1FA1C2C}" type="datetimeFigureOut">
               <a:rPr lang="en-US" smtClean="0"/>
-              <a:t>3/24/25</a:t>
+              <a:t>7/28/25</a:t>
             </a:fld>
             <a:endParaRPr lang="en-US" dirty="0"/>
           </a:p>
@@ -3028,7 +3028,7 @@
           <a:p>
             <a:fld id="{94AF7B9F-3A11-934B-9C29-5145B1FA1C2C}" type="datetimeFigureOut">
               <a:rPr lang="en-US" smtClean="0"/>
-              <a:t>3/24/25</a:t>
+              <a:t>7/28/25</a:t>
             </a:fld>
             <a:endParaRPr lang="en-US" dirty="0"/>
           </a:p>
@@ -3269,7 +3269,7 @@
           <a:p>
             <a:fld id="{94AF7B9F-3A11-934B-9C29-5145B1FA1C2C}" type="datetimeFigureOut">
               <a:rPr lang="en-US" smtClean="0"/>
-              <a:t>3/24/25</a:t>
+              <a:t>7/28/25</a:t>
             </a:fld>
             <a:endParaRPr lang="en-US" dirty="0"/>
           </a:p>
@@ -9680,7 +9680,7 @@
         <p:spPr>
           <a:xfrm>
             <a:off x="8616397" y="2259554"/>
-            <a:ext cx="3763090" cy="2554545"/>
+            <a:ext cx="3509092" cy="2554545"/>
           </a:xfrm>
           <a:prstGeom prst="rect">
             <a:avLst/>
@@ -9704,16 +9704,16 @@
           <a:p>
             <a:r>
               <a:rPr lang="en-US" sz="3200" dirty="0"/>
+              <a:t>Exposure</a:t>
+            </a:r>
+          </a:p>
+          <a:p>
+            <a:endParaRPr lang="en-US" sz="3200" dirty="0"/>
+          </a:p>
+          <a:p>
+            <a:r>
+              <a:rPr lang="en-US" sz="3200" dirty="0"/>
               <a:t>Unproven benefit</a:t>
-            </a:r>
-          </a:p>
-          <a:p>
-            <a:endParaRPr lang="en-US" sz="3200" dirty="0"/>
-          </a:p>
-          <a:p>
-            <a:r>
-              <a:rPr lang="en-US" sz="3200" dirty="0"/>
-              <a:t>Medical procedures</a:t>
             </a:r>
           </a:p>
         </p:txBody>

--- a/images/images.pptx
+++ b/images/images.pptx
@@ -5,7 +5,7 @@
     <p:sldMasterId id="2147483648" r:id="rId1"/>
   </p:sldMasterIdLst>
   <p:notesMasterIdLst>
-    <p:notesMasterId r:id="rId11"/>
+    <p:notesMasterId r:id="rId17"/>
   </p:notesMasterIdLst>
   <p:sldIdLst>
     <p:sldId id="265" r:id="rId2"/>
@@ -17,6 +17,12 @@
     <p:sldId id="2054480925" r:id="rId8"/>
     <p:sldId id="273" r:id="rId9"/>
     <p:sldId id="2054480927" r:id="rId10"/>
+    <p:sldId id="2054480941" r:id="rId11"/>
+    <p:sldId id="281" r:id="rId12"/>
+    <p:sldId id="2054480942" r:id="rId13"/>
+    <p:sldId id="2054480947" r:id="rId14"/>
+    <p:sldId id="2054480949" r:id="rId15"/>
+    <p:sldId id="2054480950" r:id="rId16"/>
   </p:sldIdLst>
   <p:sldSz cx="12192000" cy="6858000"/>
   <p:notesSz cx="6858000" cy="9144000"/>
@@ -205,7 +211,7 @@
           <a:p>
             <a:fld id="{2BF40F98-279B-984E-813D-F8C75C14725D}" type="datetimeFigureOut">
               <a:rPr lang="en-US" smtClean="0"/>
-              <a:t>7/28/25</a:t>
+              <a:t>7/31/25</a:t>
             </a:fld>
             <a:endParaRPr lang="en-US" dirty="0"/>
           </a:p>
@@ -619,7 +625,7 @@
           <a:p>
             <a:fld id="{94AF7B9F-3A11-934B-9C29-5145B1FA1C2C}" type="datetimeFigureOut">
               <a:rPr lang="en-US" smtClean="0"/>
-              <a:t>7/28/25</a:t>
+              <a:t>7/31/25</a:t>
             </a:fld>
             <a:endParaRPr lang="en-US" dirty="0"/>
           </a:p>
@@ -817,7 +823,7 @@
           <a:p>
             <a:fld id="{94AF7B9F-3A11-934B-9C29-5145B1FA1C2C}" type="datetimeFigureOut">
               <a:rPr lang="en-US" smtClean="0"/>
-              <a:t>7/28/25</a:t>
+              <a:t>7/31/25</a:t>
             </a:fld>
             <a:endParaRPr lang="en-US" dirty="0"/>
           </a:p>
@@ -1025,7 +1031,7 @@
           <a:p>
             <a:fld id="{94AF7B9F-3A11-934B-9C29-5145B1FA1C2C}" type="datetimeFigureOut">
               <a:rPr lang="en-US" smtClean="0"/>
-              <a:t>7/28/25</a:t>
+              <a:t>7/31/25</a:t>
             </a:fld>
             <a:endParaRPr lang="en-US" dirty="0"/>
           </a:p>
@@ -1223,7 +1229,7 @@
           <a:p>
             <a:fld id="{94AF7B9F-3A11-934B-9C29-5145B1FA1C2C}" type="datetimeFigureOut">
               <a:rPr lang="en-US" smtClean="0"/>
-              <a:t>7/28/25</a:t>
+              <a:t>7/31/25</a:t>
             </a:fld>
             <a:endParaRPr lang="en-US" dirty="0"/>
           </a:p>
@@ -1498,7 +1504,7 @@
           <a:p>
             <a:fld id="{94AF7B9F-3A11-934B-9C29-5145B1FA1C2C}" type="datetimeFigureOut">
               <a:rPr lang="en-US" smtClean="0"/>
-              <a:t>7/28/25</a:t>
+              <a:t>7/31/25</a:t>
             </a:fld>
             <a:endParaRPr lang="en-US" dirty="0"/>
           </a:p>
@@ -1763,7 +1769,7 @@
           <a:p>
             <a:fld id="{94AF7B9F-3A11-934B-9C29-5145B1FA1C2C}" type="datetimeFigureOut">
               <a:rPr lang="en-US" smtClean="0"/>
-              <a:t>7/28/25</a:t>
+              <a:t>7/31/25</a:t>
             </a:fld>
             <a:endParaRPr lang="en-US" dirty="0"/>
           </a:p>
@@ -2175,7 +2181,7 @@
           <a:p>
             <a:fld id="{94AF7B9F-3A11-934B-9C29-5145B1FA1C2C}" type="datetimeFigureOut">
               <a:rPr lang="en-US" smtClean="0"/>
-              <a:t>7/28/25</a:t>
+              <a:t>7/31/25</a:t>
             </a:fld>
             <a:endParaRPr lang="en-US" dirty="0"/>
           </a:p>
@@ -2316,7 +2322,7 @@
           <a:p>
             <a:fld id="{94AF7B9F-3A11-934B-9C29-5145B1FA1C2C}" type="datetimeFigureOut">
               <a:rPr lang="en-US" smtClean="0"/>
-              <a:t>7/28/25</a:t>
+              <a:t>7/31/25</a:t>
             </a:fld>
             <a:endParaRPr lang="en-US" dirty="0"/>
           </a:p>
@@ -2429,7 +2435,7 @@
           <a:p>
             <a:fld id="{94AF7B9F-3A11-934B-9C29-5145B1FA1C2C}" type="datetimeFigureOut">
               <a:rPr lang="en-US" smtClean="0"/>
-              <a:t>7/28/25</a:t>
+              <a:t>7/31/25</a:t>
             </a:fld>
             <a:endParaRPr lang="en-US" dirty="0"/>
           </a:p>
@@ -2740,7 +2746,7 @@
           <a:p>
             <a:fld id="{94AF7B9F-3A11-934B-9C29-5145B1FA1C2C}" type="datetimeFigureOut">
               <a:rPr lang="en-US" smtClean="0"/>
-              <a:t>7/28/25</a:t>
+              <a:t>7/31/25</a:t>
             </a:fld>
             <a:endParaRPr lang="en-US" dirty="0"/>
           </a:p>
@@ -3028,7 +3034,7 @@
           <a:p>
             <a:fld id="{94AF7B9F-3A11-934B-9C29-5145B1FA1C2C}" type="datetimeFigureOut">
               <a:rPr lang="en-US" smtClean="0"/>
-              <a:t>7/28/25</a:t>
+              <a:t>7/31/25</a:t>
             </a:fld>
             <a:endParaRPr lang="en-US" dirty="0"/>
           </a:p>
@@ -3269,7 +3275,7 @@
           <a:p>
             <a:fld id="{94AF7B9F-3A11-934B-9C29-5145B1FA1C2C}" type="datetimeFigureOut">
               <a:rPr lang="en-US" smtClean="0"/>
-              <a:t>7/28/25</a:t>
+              <a:t>7/31/25</a:t>
             </a:fld>
             <a:endParaRPr lang="en-US" dirty="0"/>
           </a:p>
@@ -3750,6 +3756,3806 @@
     <p:extLst>
       <p:ext uri="{BB962C8B-B14F-4D97-AF65-F5344CB8AC3E}">
         <p14:creationId xmlns:p14="http://schemas.microsoft.com/office/powerpoint/2010/main" val="1485340136"/>
+      </p:ext>
+    </p:extLst>
+  </p:cSld>
+  <p:clrMapOvr>
+    <a:masterClrMapping/>
+  </p:clrMapOvr>
+</p:sld>
+</file>
+
+<file path=ppt/slides/slide10.xml><?xml version="1.0" encoding="utf-8"?>
+<p:sld xmlns:a="http://schemas.openxmlformats.org/drawingml/2006/main" xmlns:r="http://schemas.openxmlformats.org/officeDocument/2006/relationships" xmlns:p="http://schemas.openxmlformats.org/presentationml/2006/main">
+  <p:cSld>
+    <p:spTree>
+      <p:nvGrpSpPr>
+        <p:cNvPr id="1" name="">
+          <a:extLst>
+            <a:ext uri="{FF2B5EF4-FFF2-40B4-BE49-F238E27FC236}">
+              <a16:creationId xmlns:a16="http://schemas.microsoft.com/office/drawing/2014/main" id="{C9CB7432-BB1F-49F0-1817-988784BE3FF1}"/>
+            </a:ext>
+          </a:extLst>
+        </p:cNvPr>
+        <p:cNvGrpSpPr/>
+        <p:nvPr/>
+      </p:nvGrpSpPr>
+      <p:grpSpPr>
+        <a:xfrm>
+          <a:off x="0" y="0"/>
+          <a:ext cx="0" cy="0"/>
+          <a:chOff x="0" y="0"/>
+          <a:chExt cx="0" cy="0"/>
+        </a:xfrm>
+      </p:grpSpPr>
+      <p:sp>
+        <p:nvSpPr>
+          <p:cNvPr id="2" name="Rounded Rectangle 1">
+            <a:extLst>
+              <a:ext uri="{FF2B5EF4-FFF2-40B4-BE49-F238E27FC236}">
+                <a16:creationId xmlns:a16="http://schemas.microsoft.com/office/drawing/2014/main" id="{813C6FDA-F150-6D12-11FA-FFAA8626F860}"/>
+              </a:ext>
+            </a:extLst>
+          </p:cNvPr>
+          <p:cNvSpPr/>
+          <p:nvPr/>
+        </p:nvSpPr>
+        <p:spPr>
+          <a:xfrm>
+            <a:off x="4364290" y="2596186"/>
+            <a:ext cx="2411164" cy="991293"/>
+          </a:xfrm>
+          <a:prstGeom prst="roundRect">
+            <a:avLst/>
+          </a:prstGeom>
+          <a:solidFill>
+            <a:schemeClr val="bg1">
+              <a:lumMod val="75000"/>
+            </a:schemeClr>
+          </a:solidFill>
+          <a:ln>
+            <a:noFill/>
+          </a:ln>
+        </p:spPr>
+        <p:style>
+          <a:lnRef idx="2">
+            <a:schemeClr val="accent1">
+              <a:shade val="15000"/>
+            </a:schemeClr>
+          </a:lnRef>
+          <a:fillRef idx="1">
+            <a:schemeClr val="accent1"/>
+          </a:fillRef>
+          <a:effectRef idx="0">
+            <a:schemeClr val="accent1"/>
+          </a:effectRef>
+          <a:fontRef idx="minor">
+            <a:schemeClr val="lt1"/>
+          </a:fontRef>
+        </p:style>
+        <p:txBody>
+          <a:bodyPr rtlCol="0" anchor="ctr"/>
+          <a:lstStyle/>
+          <a:p>
+            <a:pPr algn="ctr"/>
+            <a:r>
+              <a:rPr lang="en-US" sz="4800" dirty="0">
+                <a:solidFill>
+                  <a:schemeClr val="tx1"/>
+                </a:solidFill>
+              </a:rPr>
+              <a:t>trials_1</a:t>
+            </a:r>
+          </a:p>
+        </p:txBody>
+      </p:sp>
+      <p:sp>
+        <p:nvSpPr>
+          <p:cNvPr id="3" name="Rounded Rectangle 2">
+            <a:extLst>
+              <a:ext uri="{FF2B5EF4-FFF2-40B4-BE49-F238E27FC236}">
+                <a16:creationId xmlns:a16="http://schemas.microsoft.com/office/drawing/2014/main" id="{37AACF6F-4807-2A86-EB88-B66263FC2184}"/>
+              </a:ext>
+            </a:extLst>
+          </p:cNvPr>
+          <p:cNvSpPr/>
+          <p:nvPr/>
+        </p:nvSpPr>
+        <p:spPr>
+          <a:xfrm>
+            <a:off x="4364290" y="5746329"/>
+            <a:ext cx="2411164" cy="991293"/>
+          </a:xfrm>
+          <a:prstGeom prst="roundRect">
+            <a:avLst/>
+          </a:prstGeom>
+          <a:solidFill>
+            <a:schemeClr val="bg1">
+              <a:lumMod val="75000"/>
+            </a:schemeClr>
+          </a:solidFill>
+          <a:ln>
+            <a:noFill/>
+          </a:ln>
+        </p:spPr>
+        <p:style>
+          <a:lnRef idx="2">
+            <a:schemeClr val="accent1">
+              <a:shade val="15000"/>
+            </a:schemeClr>
+          </a:lnRef>
+          <a:fillRef idx="1">
+            <a:schemeClr val="accent1"/>
+          </a:fillRef>
+          <a:effectRef idx="0">
+            <a:schemeClr val="accent1"/>
+          </a:effectRef>
+          <a:fontRef idx="minor">
+            <a:schemeClr val="lt1"/>
+          </a:fontRef>
+        </p:style>
+        <p:txBody>
+          <a:bodyPr rtlCol="0" anchor="ctr"/>
+          <a:lstStyle/>
+          <a:p>
+            <a:pPr algn="ctr"/>
+            <a:r>
+              <a:rPr lang="en-US" sz="4800" dirty="0">
+                <a:solidFill>
+                  <a:schemeClr val="tx1"/>
+                </a:solidFill>
+              </a:rPr>
+              <a:t>trials_2</a:t>
+            </a:r>
+          </a:p>
+        </p:txBody>
+      </p:sp>
+      <p:sp>
+        <p:nvSpPr>
+          <p:cNvPr id="7" name="Rounded Rectangle 6">
+            <a:extLst>
+              <a:ext uri="{FF2B5EF4-FFF2-40B4-BE49-F238E27FC236}">
+                <a16:creationId xmlns:a16="http://schemas.microsoft.com/office/drawing/2014/main" id="{3684ED62-19FB-6BC4-F2BF-68500A6E97B4}"/>
+              </a:ext>
+            </a:extLst>
+          </p:cNvPr>
+          <p:cNvSpPr/>
+          <p:nvPr/>
+        </p:nvSpPr>
+        <p:spPr>
+          <a:xfrm>
+            <a:off x="239893" y="3926413"/>
+            <a:ext cx="3221376" cy="985336"/>
+          </a:xfrm>
+          <a:prstGeom prst="roundRect">
+            <a:avLst/>
+          </a:prstGeom>
+          <a:solidFill>
+            <a:schemeClr val="bg1">
+              <a:lumMod val="75000"/>
+            </a:schemeClr>
+          </a:solidFill>
+          <a:ln>
+            <a:noFill/>
+          </a:ln>
+        </p:spPr>
+        <p:style>
+          <a:lnRef idx="2">
+            <a:schemeClr val="accent1">
+              <a:shade val="15000"/>
+            </a:schemeClr>
+          </a:lnRef>
+          <a:fillRef idx="1">
+            <a:schemeClr val="accent1"/>
+          </a:fillRef>
+          <a:effectRef idx="0">
+            <a:schemeClr val="accent1"/>
+          </a:effectRef>
+          <a:fontRef idx="minor">
+            <a:schemeClr val="lt1"/>
+          </a:fontRef>
+        </p:style>
+        <p:txBody>
+          <a:bodyPr rtlCol="0" anchor="ctr"/>
+          <a:lstStyle/>
+          <a:p>
+            <a:pPr algn="ctr"/>
+            <a:r>
+              <a:rPr lang="en-US" sz="4000" dirty="0">
+                <a:solidFill>
+                  <a:schemeClr val="tx1"/>
+                </a:solidFill>
+              </a:rPr>
+              <a:t>hazard_ratios</a:t>
+            </a:r>
+          </a:p>
+        </p:txBody>
+      </p:sp>
+      <p:sp>
+        <p:nvSpPr>
+          <p:cNvPr id="8" name="Rounded Rectangle 7">
+            <a:extLst>
+              <a:ext uri="{FF2B5EF4-FFF2-40B4-BE49-F238E27FC236}">
+                <a16:creationId xmlns:a16="http://schemas.microsoft.com/office/drawing/2014/main" id="{2084C5FC-5F36-2294-F1B1-BF2B9D517D19}"/>
+              </a:ext>
+            </a:extLst>
+          </p:cNvPr>
+          <p:cNvSpPr/>
+          <p:nvPr/>
+        </p:nvSpPr>
+        <p:spPr>
+          <a:xfrm>
+            <a:off x="7585666" y="3926413"/>
+            <a:ext cx="1806043" cy="991293"/>
+          </a:xfrm>
+          <a:prstGeom prst="roundRect">
+            <a:avLst/>
+          </a:prstGeom>
+          <a:solidFill>
+            <a:schemeClr val="bg1">
+              <a:lumMod val="75000"/>
+            </a:schemeClr>
+          </a:solidFill>
+          <a:ln>
+            <a:noFill/>
+          </a:ln>
+        </p:spPr>
+        <p:style>
+          <a:lnRef idx="2">
+            <a:schemeClr val="accent1">
+              <a:shade val="15000"/>
+            </a:schemeClr>
+          </a:lnRef>
+          <a:fillRef idx="1">
+            <a:schemeClr val="accent1"/>
+          </a:fillRef>
+          <a:effectRef idx="0">
+            <a:schemeClr val="accent1"/>
+          </a:effectRef>
+          <a:fontRef idx="minor">
+            <a:schemeClr val="lt1"/>
+          </a:fontRef>
+        </p:style>
+        <p:txBody>
+          <a:bodyPr rtlCol="0" anchor="ctr"/>
+          <a:lstStyle/>
+          <a:p>
+            <a:pPr algn="ctr"/>
+            <a:r>
+              <a:rPr lang="en-US" sz="4800" dirty="0">
+                <a:solidFill>
+                  <a:schemeClr val="tx1"/>
+                </a:solidFill>
+              </a:rPr>
+              <a:t>plot</a:t>
+            </a:r>
+          </a:p>
+        </p:txBody>
+      </p:sp>
+      <p:cxnSp>
+        <p:nvCxnSpPr>
+          <p:cNvPr id="21" name="Curved Connector 20">
+            <a:extLst>
+              <a:ext uri="{FF2B5EF4-FFF2-40B4-BE49-F238E27FC236}">
+                <a16:creationId xmlns:a16="http://schemas.microsoft.com/office/drawing/2014/main" id="{6F4D2CB8-AD53-BCE5-4F0B-8C18E25AEE3D}"/>
+              </a:ext>
+            </a:extLst>
+          </p:cNvPr>
+          <p:cNvCxnSpPr>
+            <a:cxnSpLocks/>
+            <a:stCxn id="7" idx="3"/>
+            <a:endCxn id="2" idx="1"/>
+          </p:cNvCxnSpPr>
+          <p:nvPr/>
+        </p:nvCxnSpPr>
+        <p:spPr>
+          <a:xfrm flipV="1">
+            <a:off x="3461269" y="3091833"/>
+            <a:ext cx="903021" cy="1327248"/>
+          </a:xfrm>
+          <a:prstGeom prst="curvedConnector3">
+            <a:avLst/>
+          </a:prstGeom>
+          <a:ln w="38100">
+            <a:tailEnd type="triangle"/>
+          </a:ln>
+        </p:spPr>
+        <p:style>
+          <a:lnRef idx="2">
+            <a:schemeClr val="dk1"/>
+          </a:lnRef>
+          <a:fillRef idx="0">
+            <a:schemeClr val="dk1"/>
+          </a:fillRef>
+          <a:effectRef idx="1">
+            <a:schemeClr val="dk1"/>
+          </a:effectRef>
+          <a:fontRef idx="minor">
+            <a:schemeClr val="tx1"/>
+          </a:fontRef>
+        </p:style>
+      </p:cxnSp>
+      <p:cxnSp>
+        <p:nvCxnSpPr>
+          <p:cNvPr id="28" name="Curved Connector 27">
+            <a:extLst>
+              <a:ext uri="{FF2B5EF4-FFF2-40B4-BE49-F238E27FC236}">
+                <a16:creationId xmlns:a16="http://schemas.microsoft.com/office/drawing/2014/main" id="{55B493C1-09B8-B174-1D31-31AA9FC44C96}"/>
+              </a:ext>
+            </a:extLst>
+          </p:cNvPr>
+          <p:cNvCxnSpPr>
+            <a:cxnSpLocks/>
+            <a:stCxn id="2" idx="3"/>
+            <a:endCxn id="8" idx="1"/>
+          </p:cNvCxnSpPr>
+          <p:nvPr/>
+        </p:nvCxnSpPr>
+        <p:spPr>
+          <a:xfrm>
+            <a:off x="6775454" y="3091833"/>
+            <a:ext cx="810212" cy="1330227"/>
+          </a:xfrm>
+          <a:prstGeom prst="curvedConnector3">
+            <a:avLst/>
+          </a:prstGeom>
+          <a:ln w="38100">
+            <a:tailEnd type="triangle"/>
+          </a:ln>
+        </p:spPr>
+        <p:style>
+          <a:lnRef idx="2">
+            <a:schemeClr val="dk1"/>
+          </a:lnRef>
+          <a:fillRef idx="0">
+            <a:schemeClr val="dk1"/>
+          </a:fillRef>
+          <a:effectRef idx="1">
+            <a:schemeClr val="dk1"/>
+          </a:effectRef>
+          <a:fontRef idx="minor">
+            <a:schemeClr val="tx1"/>
+          </a:fontRef>
+        </p:style>
+      </p:cxnSp>
+      <p:cxnSp>
+        <p:nvCxnSpPr>
+          <p:cNvPr id="31" name="Curved Connector 30">
+            <a:extLst>
+              <a:ext uri="{FF2B5EF4-FFF2-40B4-BE49-F238E27FC236}">
+                <a16:creationId xmlns:a16="http://schemas.microsoft.com/office/drawing/2014/main" id="{0D85D9E2-757B-23F1-4ECE-94089154D755}"/>
+              </a:ext>
+            </a:extLst>
+          </p:cNvPr>
+          <p:cNvCxnSpPr>
+            <a:cxnSpLocks/>
+            <a:stCxn id="3" idx="3"/>
+            <a:endCxn id="8" idx="1"/>
+          </p:cNvCxnSpPr>
+          <p:nvPr/>
+        </p:nvCxnSpPr>
+        <p:spPr>
+          <a:xfrm flipV="1">
+            <a:off x="6775454" y="4422060"/>
+            <a:ext cx="810212" cy="1819916"/>
+          </a:xfrm>
+          <a:prstGeom prst="curvedConnector3">
+            <a:avLst/>
+          </a:prstGeom>
+          <a:ln w="38100">
+            <a:tailEnd type="triangle"/>
+          </a:ln>
+        </p:spPr>
+        <p:style>
+          <a:lnRef idx="2">
+            <a:schemeClr val="dk1"/>
+          </a:lnRef>
+          <a:fillRef idx="0">
+            <a:schemeClr val="dk1"/>
+          </a:fillRef>
+          <a:effectRef idx="1">
+            <a:schemeClr val="dk1"/>
+          </a:effectRef>
+          <a:fontRef idx="minor">
+            <a:schemeClr val="tx1"/>
+          </a:fontRef>
+        </p:style>
+      </p:cxnSp>
+      <p:cxnSp>
+        <p:nvCxnSpPr>
+          <p:cNvPr id="19" name="Curved Connector 18">
+            <a:extLst>
+              <a:ext uri="{FF2B5EF4-FFF2-40B4-BE49-F238E27FC236}">
+                <a16:creationId xmlns:a16="http://schemas.microsoft.com/office/drawing/2014/main" id="{0554EE0A-7A1A-81B5-3EB6-2E3C6D9259F0}"/>
+              </a:ext>
+            </a:extLst>
+          </p:cNvPr>
+          <p:cNvCxnSpPr>
+            <a:cxnSpLocks/>
+            <a:stCxn id="7" idx="3"/>
+            <a:endCxn id="3" idx="1"/>
+          </p:cNvCxnSpPr>
+          <p:nvPr/>
+        </p:nvCxnSpPr>
+        <p:spPr>
+          <a:xfrm>
+            <a:off x="3461269" y="4419081"/>
+            <a:ext cx="903021" cy="1822895"/>
+          </a:xfrm>
+          <a:prstGeom prst="curvedConnector3">
+            <a:avLst/>
+          </a:prstGeom>
+          <a:ln w="38100">
+            <a:tailEnd type="triangle"/>
+          </a:ln>
+        </p:spPr>
+        <p:style>
+          <a:lnRef idx="2">
+            <a:schemeClr val="dk1"/>
+          </a:lnRef>
+          <a:fillRef idx="0">
+            <a:schemeClr val="dk1"/>
+          </a:fillRef>
+          <a:effectRef idx="1">
+            <a:schemeClr val="dk1"/>
+          </a:effectRef>
+          <a:fontRef idx="minor">
+            <a:schemeClr val="tx1"/>
+          </a:fontRef>
+        </p:style>
+      </p:cxnSp>
+      <p:sp>
+        <p:nvSpPr>
+          <p:cNvPr id="44" name="Rounded Rectangle 43">
+            <a:extLst>
+              <a:ext uri="{FF2B5EF4-FFF2-40B4-BE49-F238E27FC236}">
+                <a16:creationId xmlns:a16="http://schemas.microsoft.com/office/drawing/2014/main" id="{AE06F714-212B-C637-66D9-2184B18AE44F}"/>
+              </a:ext>
+            </a:extLst>
+          </p:cNvPr>
+          <p:cNvSpPr/>
+          <p:nvPr/>
+        </p:nvSpPr>
+        <p:spPr>
+          <a:xfrm>
+            <a:off x="10008967" y="3926413"/>
+            <a:ext cx="2104373" cy="991292"/>
+          </a:xfrm>
+          <a:prstGeom prst="roundRect">
+            <a:avLst/>
+          </a:prstGeom>
+          <a:solidFill>
+            <a:schemeClr val="bg1">
+              <a:lumMod val="75000"/>
+            </a:schemeClr>
+          </a:solidFill>
+          <a:ln>
+            <a:noFill/>
+          </a:ln>
+        </p:spPr>
+        <p:style>
+          <a:lnRef idx="2">
+            <a:schemeClr val="accent1">
+              <a:shade val="15000"/>
+            </a:schemeClr>
+          </a:lnRef>
+          <a:fillRef idx="1">
+            <a:schemeClr val="accent1"/>
+          </a:fillRef>
+          <a:effectRef idx="0">
+            <a:schemeClr val="accent1"/>
+          </a:effectRef>
+          <a:fontRef idx="minor">
+            <a:schemeClr val="lt1"/>
+          </a:fontRef>
+        </p:style>
+        <p:txBody>
+          <a:bodyPr rtlCol="0" anchor="ctr"/>
+          <a:lstStyle/>
+          <a:p>
+            <a:pPr algn="ctr"/>
+            <a:r>
+              <a:rPr lang="en-US" sz="4800" dirty="0">
+                <a:solidFill>
+                  <a:schemeClr val="tx1"/>
+                </a:solidFill>
+              </a:rPr>
+              <a:t>quarto</a:t>
+            </a:r>
+          </a:p>
+        </p:txBody>
+      </p:sp>
+      <p:cxnSp>
+        <p:nvCxnSpPr>
+          <p:cNvPr id="47" name="Curved Connector 46">
+            <a:extLst>
+              <a:ext uri="{FF2B5EF4-FFF2-40B4-BE49-F238E27FC236}">
+                <a16:creationId xmlns:a16="http://schemas.microsoft.com/office/drawing/2014/main" id="{F63E9C63-7ED9-D3AC-AB0F-1CD3318C49E0}"/>
+              </a:ext>
+            </a:extLst>
+          </p:cNvPr>
+          <p:cNvCxnSpPr>
+            <a:cxnSpLocks/>
+            <a:stCxn id="8" idx="3"/>
+            <a:endCxn id="44" idx="1"/>
+          </p:cNvCxnSpPr>
+          <p:nvPr/>
+        </p:nvCxnSpPr>
+        <p:spPr>
+          <a:xfrm flipV="1">
+            <a:off x="9391709" y="4422059"/>
+            <a:ext cx="617258" cy="1"/>
+          </a:xfrm>
+          <a:prstGeom prst="curvedConnector3">
+            <a:avLst/>
+          </a:prstGeom>
+          <a:ln w="38100">
+            <a:tailEnd type="triangle"/>
+          </a:ln>
+        </p:spPr>
+        <p:style>
+          <a:lnRef idx="2">
+            <a:schemeClr val="dk1"/>
+          </a:lnRef>
+          <a:fillRef idx="0">
+            <a:schemeClr val="dk1"/>
+          </a:fillRef>
+          <a:effectRef idx="1">
+            <a:schemeClr val="dk1"/>
+          </a:effectRef>
+          <a:fontRef idx="minor">
+            <a:schemeClr val="tx1"/>
+          </a:fontRef>
+        </p:style>
+      </p:cxnSp>
+    </p:spTree>
+    <p:extLst>
+      <p:ext uri="{BB962C8B-B14F-4D97-AF65-F5344CB8AC3E}">
+        <p14:creationId xmlns:p14="http://schemas.microsoft.com/office/powerpoint/2010/main" val="756631959"/>
+      </p:ext>
+    </p:extLst>
+  </p:cSld>
+  <p:clrMapOvr>
+    <a:masterClrMapping/>
+  </p:clrMapOvr>
+</p:sld>
+</file>
+
+<file path=ppt/slides/slide11.xml><?xml version="1.0" encoding="utf-8"?>
+<p:sld xmlns:a="http://schemas.openxmlformats.org/drawingml/2006/main" xmlns:r="http://schemas.openxmlformats.org/officeDocument/2006/relationships" xmlns:p="http://schemas.openxmlformats.org/presentationml/2006/main">
+  <p:cSld>
+    <p:spTree>
+      <p:nvGrpSpPr>
+        <p:cNvPr id="1" name=""/>
+        <p:cNvGrpSpPr/>
+        <p:nvPr/>
+      </p:nvGrpSpPr>
+      <p:grpSpPr>
+        <a:xfrm>
+          <a:off x="0" y="0"/>
+          <a:ext cx="0" cy="0"/>
+          <a:chOff x="0" y="0"/>
+          <a:chExt cx="0" cy="0"/>
+        </a:xfrm>
+      </p:grpSpPr>
+      <p:sp>
+        <p:nvSpPr>
+          <p:cNvPr id="2" name="Rounded Rectangle 1">
+            <a:extLst>
+              <a:ext uri="{FF2B5EF4-FFF2-40B4-BE49-F238E27FC236}">
+                <a16:creationId xmlns:a16="http://schemas.microsoft.com/office/drawing/2014/main" id="{7F8D9EAD-DF56-C2B4-55E0-90F88A1F06C7}"/>
+              </a:ext>
+            </a:extLst>
+          </p:cNvPr>
+          <p:cNvSpPr/>
+          <p:nvPr/>
+        </p:nvSpPr>
+        <p:spPr>
+          <a:xfrm>
+            <a:off x="4364290" y="2596186"/>
+            <a:ext cx="2411164" cy="991293"/>
+          </a:xfrm>
+          <a:prstGeom prst="roundRect">
+            <a:avLst/>
+          </a:prstGeom>
+          <a:solidFill>
+            <a:schemeClr val="bg1">
+              <a:lumMod val="75000"/>
+            </a:schemeClr>
+          </a:solidFill>
+          <a:ln>
+            <a:noFill/>
+          </a:ln>
+        </p:spPr>
+        <p:style>
+          <a:lnRef idx="2">
+            <a:schemeClr val="accent1">
+              <a:shade val="15000"/>
+            </a:schemeClr>
+          </a:lnRef>
+          <a:fillRef idx="1">
+            <a:schemeClr val="accent1"/>
+          </a:fillRef>
+          <a:effectRef idx="0">
+            <a:schemeClr val="accent1"/>
+          </a:effectRef>
+          <a:fontRef idx="minor">
+            <a:schemeClr val="lt1"/>
+          </a:fontRef>
+        </p:style>
+        <p:txBody>
+          <a:bodyPr rtlCol="0" anchor="ctr"/>
+          <a:lstStyle/>
+          <a:p>
+            <a:pPr algn="ctr"/>
+            <a:r>
+              <a:rPr lang="en-US" sz="4800" dirty="0">
+                <a:solidFill>
+                  <a:schemeClr val="tx1"/>
+                </a:solidFill>
+              </a:rPr>
+              <a:t>trials_1</a:t>
+            </a:r>
+          </a:p>
+        </p:txBody>
+      </p:sp>
+      <p:sp>
+        <p:nvSpPr>
+          <p:cNvPr id="3" name="Rounded Rectangle 2">
+            <a:extLst>
+              <a:ext uri="{FF2B5EF4-FFF2-40B4-BE49-F238E27FC236}">
+                <a16:creationId xmlns:a16="http://schemas.microsoft.com/office/drawing/2014/main" id="{B04FFD33-323A-0519-E182-920B16E2704E}"/>
+              </a:ext>
+            </a:extLst>
+          </p:cNvPr>
+          <p:cNvSpPr/>
+          <p:nvPr/>
+        </p:nvSpPr>
+        <p:spPr>
+          <a:xfrm>
+            <a:off x="4364290" y="5746329"/>
+            <a:ext cx="2411164" cy="991293"/>
+          </a:xfrm>
+          <a:prstGeom prst="roundRect">
+            <a:avLst/>
+          </a:prstGeom>
+          <a:solidFill>
+            <a:schemeClr val="bg1">
+              <a:lumMod val="75000"/>
+            </a:schemeClr>
+          </a:solidFill>
+          <a:ln>
+            <a:noFill/>
+          </a:ln>
+        </p:spPr>
+        <p:style>
+          <a:lnRef idx="2">
+            <a:schemeClr val="accent1">
+              <a:shade val="15000"/>
+            </a:schemeClr>
+          </a:lnRef>
+          <a:fillRef idx="1">
+            <a:schemeClr val="accent1"/>
+          </a:fillRef>
+          <a:effectRef idx="0">
+            <a:schemeClr val="accent1"/>
+          </a:effectRef>
+          <a:fontRef idx="minor">
+            <a:schemeClr val="lt1"/>
+          </a:fontRef>
+        </p:style>
+        <p:txBody>
+          <a:bodyPr rtlCol="0" anchor="ctr"/>
+          <a:lstStyle/>
+          <a:p>
+            <a:pPr algn="ctr"/>
+            <a:r>
+              <a:rPr lang="en-US" sz="4800" dirty="0">
+                <a:solidFill>
+                  <a:schemeClr val="tx1"/>
+                </a:solidFill>
+              </a:rPr>
+              <a:t>trials_2</a:t>
+            </a:r>
+          </a:p>
+        </p:txBody>
+      </p:sp>
+      <p:sp>
+        <p:nvSpPr>
+          <p:cNvPr id="7" name="Rounded Rectangle 6">
+            <a:extLst>
+              <a:ext uri="{FF2B5EF4-FFF2-40B4-BE49-F238E27FC236}">
+                <a16:creationId xmlns:a16="http://schemas.microsoft.com/office/drawing/2014/main" id="{04F1DC95-5D3B-DF68-15E1-DE67F1E9F992}"/>
+              </a:ext>
+            </a:extLst>
+          </p:cNvPr>
+          <p:cNvSpPr/>
+          <p:nvPr/>
+        </p:nvSpPr>
+        <p:spPr>
+          <a:xfrm>
+            <a:off x="239893" y="3926413"/>
+            <a:ext cx="3221376" cy="985336"/>
+          </a:xfrm>
+          <a:prstGeom prst="roundRect">
+            <a:avLst/>
+          </a:prstGeom>
+          <a:solidFill>
+            <a:srgbClr val="FFC000"/>
+          </a:solidFill>
+          <a:ln>
+            <a:noFill/>
+          </a:ln>
+        </p:spPr>
+        <p:style>
+          <a:lnRef idx="2">
+            <a:schemeClr val="accent1">
+              <a:shade val="15000"/>
+            </a:schemeClr>
+          </a:lnRef>
+          <a:fillRef idx="1">
+            <a:schemeClr val="accent1"/>
+          </a:fillRef>
+          <a:effectRef idx="0">
+            <a:schemeClr val="accent1"/>
+          </a:effectRef>
+          <a:fontRef idx="minor">
+            <a:schemeClr val="lt1"/>
+          </a:fontRef>
+        </p:style>
+        <p:txBody>
+          <a:bodyPr rtlCol="0" anchor="ctr"/>
+          <a:lstStyle/>
+          <a:p>
+            <a:pPr algn="ctr"/>
+            <a:r>
+              <a:rPr lang="en-US" sz="4000" dirty="0">
+                <a:solidFill>
+                  <a:schemeClr val="tx1"/>
+                </a:solidFill>
+              </a:rPr>
+              <a:t>hazard_ratios</a:t>
+            </a:r>
+          </a:p>
+        </p:txBody>
+      </p:sp>
+      <p:sp>
+        <p:nvSpPr>
+          <p:cNvPr id="8" name="Rounded Rectangle 7">
+            <a:extLst>
+              <a:ext uri="{FF2B5EF4-FFF2-40B4-BE49-F238E27FC236}">
+                <a16:creationId xmlns:a16="http://schemas.microsoft.com/office/drawing/2014/main" id="{F71AFDAA-A7CA-A607-1A78-0601CE848F46}"/>
+              </a:ext>
+            </a:extLst>
+          </p:cNvPr>
+          <p:cNvSpPr/>
+          <p:nvPr/>
+        </p:nvSpPr>
+        <p:spPr>
+          <a:xfrm>
+            <a:off x="7585666" y="3926413"/>
+            <a:ext cx="1806043" cy="991293"/>
+          </a:xfrm>
+          <a:prstGeom prst="roundRect">
+            <a:avLst/>
+          </a:prstGeom>
+          <a:solidFill>
+            <a:schemeClr val="bg1">
+              <a:lumMod val="75000"/>
+            </a:schemeClr>
+          </a:solidFill>
+          <a:ln>
+            <a:noFill/>
+          </a:ln>
+        </p:spPr>
+        <p:style>
+          <a:lnRef idx="2">
+            <a:schemeClr val="accent1">
+              <a:shade val="15000"/>
+            </a:schemeClr>
+          </a:lnRef>
+          <a:fillRef idx="1">
+            <a:schemeClr val="accent1"/>
+          </a:fillRef>
+          <a:effectRef idx="0">
+            <a:schemeClr val="accent1"/>
+          </a:effectRef>
+          <a:fontRef idx="minor">
+            <a:schemeClr val="lt1"/>
+          </a:fontRef>
+        </p:style>
+        <p:txBody>
+          <a:bodyPr rtlCol="0" anchor="ctr"/>
+          <a:lstStyle/>
+          <a:p>
+            <a:pPr algn="ctr"/>
+            <a:r>
+              <a:rPr lang="en-US" sz="4800" dirty="0">
+                <a:solidFill>
+                  <a:schemeClr val="tx1"/>
+                </a:solidFill>
+              </a:rPr>
+              <a:t>plot</a:t>
+            </a:r>
+          </a:p>
+        </p:txBody>
+      </p:sp>
+      <p:cxnSp>
+        <p:nvCxnSpPr>
+          <p:cNvPr id="21" name="Curved Connector 20">
+            <a:extLst>
+              <a:ext uri="{FF2B5EF4-FFF2-40B4-BE49-F238E27FC236}">
+                <a16:creationId xmlns:a16="http://schemas.microsoft.com/office/drawing/2014/main" id="{F145A298-898A-B0C7-F09B-62FB62D0B7C3}"/>
+              </a:ext>
+            </a:extLst>
+          </p:cNvPr>
+          <p:cNvCxnSpPr>
+            <a:cxnSpLocks/>
+            <a:stCxn id="7" idx="3"/>
+            <a:endCxn id="2" idx="1"/>
+          </p:cNvCxnSpPr>
+          <p:nvPr/>
+        </p:nvCxnSpPr>
+        <p:spPr>
+          <a:xfrm flipV="1">
+            <a:off x="3461269" y="3091833"/>
+            <a:ext cx="903021" cy="1327248"/>
+          </a:xfrm>
+          <a:prstGeom prst="curvedConnector3">
+            <a:avLst/>
+          </a:prstGeom>
+          <a:ln w="38100">
+            <a:tailEnd type="triangle"/>
+          </a:ln>
+        </p:spPr>
+        <p:style>
+          <a:lnRef idx="2">
+            <a:schemeClr val="dk1"/>
+          </a:lnRef>
+          <a:fillRef idx="0">
+            <a:schemeClr val="dk1"/>
+          </a:fillRef>
+          <a:effectRef idx="1">
+            <a:schemeClr val="dk1"/>
+          </a:effectRef>
+          <a:fontRef idx="minor">
+            <a:schemeClr val="tx1"/>
+          </a:fontRef>
+        </p:style>
+      </p:cxnSp>
+      <p:cxnSp>
+        <p:nvCxnSpPr>
+          <p:cNvPr id="28" name="Curved Connector 27">
+            <a:extLst>
+              <a:ext uri="{FF2B5EF4-FFF2-40B4-BE49-F238E27FC236}">
+                <a16:creationId xmlns:a16="http://schemas.microsoft.com/office/drawing/2014/main" id="{AEFCDE9D-1F50-9A85-F5D1-B83E91C8DFA3}"/>
+              </a:ext>
+            </a:extLst>
+          </p:cNvPr>
+          <p:cNvCxnSpPr>
+            <a:cxnSpLocks/>
+            <a:stCxn id="2" idx="3"/>
+            <a:endCxn id="8" idx="1"/>
+          </p:cNvCxnSpPr>
+          <p:nvPr/>
+        </p:nvCxnSpPr>
+        <p:spPr>
+          <a:xfrm>
+            <a:off x="6775454" y="3091833"/>
+            <a:ext cx="810212" cy="1330227"/>
+          </a:xfrm>
+          <a:prstGeom prst="curvedConnector3">
+            <a:avLst/>
+          </a:prstGeom>
+          <a:ln w="38100">
+            <a:tailEnd type="triangle"/>
+          </a:ln>
+        </p:spPr>
+        <p:style>
+          <a:lnRef idx="2">
+            <a:schemeClr val="dk1"/>
+          </a:lnRef>
+          <a:fillRef idx="0">
+            <a:schemeClr val="dk1"/>
+          </a:fillRef>
+          <a:effectRef idx="1">
+            <a:schemeClr val="dk1"/>
+          </a:effectRef>
+          <a:fontRef idx="minor">
+            <a:schemeClr val="tx1"/>
+          </a:fontRef>
+        </p:style>
+      </p:cxnSp>
+      <p:cxnSp>
+        <p:nvCxnSpPr>
+          <p:cNvPr id="31" name="Curved Connector 30">
+            <a:extLst>
+              <a:ext uri="{FF2B5EF4-FFF2-40B4-BE49-F238E27FC236}">
+                <a16:creationId xmlns:a16="http://schemas.microsoft.com/office/drawing/2014/main" id="{7EEB7CA1-1354-A15B-5108-6B9D2EA98EF1}"/>
+              </a:ext>
+            </a:extLst>
+          </p:cNvPr>
+          <p:cNvCxnSpPr>
+            <a:cxnSpLocks/>
+            <a:stCxn id="3" idx="3"/>
+            <a:endCxn id="8" idx="1"/>
+          </p:cNvCxnSpPr>
+          <p:nvPr/>
+        </p:nvCxnSpPr>
+        <p:spPr>
+          <a:xfrm flipV="1">
+            <a:off x="6775454" y="4422060"/>
+            <a:ext cx="810212" cy="1819916"/>
+          </a:xfrm>
+          <a:prstGeom prst="curvedConnector3">
+            <a:avLst/>
+          </a:prstGeom>
+          <a:ln w="38100">
+            <a:tailEnd type="triangle"/>
+          </a:ln>
+        </p:spPr>
+        <p:style>
+          <a:lnRef idx="2">
+            <a:schemeClr val="dk1"/>
+          </a:lnRef>
+          <a:fillRef idx="0">
+            <a:schemeClr val="dk1"/>
+          </a:fillRef>
+          <a:effectRef idx="1">
+            <a:schemeClr val="dk1"/>
+          </a:effectRef>
+          <a:fontRef idx="minor">
+            <a:schemeClr val="tx1"/>
+          </a:fontRef>
+        </p:style>
+      </p:cxnSp>
+      <p:cxnSp>
+        <p:nvCxnSpPr>
+          <p:cNvPr id="19" name="Curved Connector 18">
+            <a:extLst>
+              <a:ext uri="{FF2B5EF4-FFF2-40B4-BE49-F238E27FC236}">
+                <a16:creationId xmlns:a16="http://schemas.microsoft.com/office/drawing/2014/main" id="{72F134E0-1956-D891-CCFC-DED8088BF1DA}"/>
+              </a:ext>
+            </a:extLst>
+          </p:cNvPr>
+          <p:cNvCxnSpPr>
+            <a:cxnSpLocks/>
+            <a:stCxn id="7" idx="3"/>
+            <a:endCxn id="3" idx="1"/>
+          </p:cNvCxnSpPr>
+          <p:nvPr/>
+        </p:nvCxnSpPr>
+        <p:spPr>
+          <a:xfrm>
+            <a:off x="3461269" y="4419081"/>
+            <a:ext cx="903021" cy="1822895"/>
+          </a:xfrm>
+          <a:prstGeom prst="curvedConnector3">
+            <a:avLst/>
+          </a:prstGeom>
+          <a:ln w="38100">
+            <a:tailEnd type="triangle"/>
+          </a:ln>
+        </p:spPr>
+        <p:style>
+          <a:lnRef idx="2">
+            <a:schemeClr val="dk1"/>
+          </a:lnRef>
+          <a:fillRef idx="0">
+            <a:schemeClr val="dk1"/>
+          </a:fillRef>
+          <a:effectRef idx="1">
+            <a:schemeClr val="dk1"/>
+          </a:effectRef>
+          <a:fontRef idx="minor">
+            <a:schemeClr val="tx1"/>
+          </a:fontRef>
+        </p:style>
+      </p:cxnSp>
+      <p:sp>
+        <p:nvSpPr>
+          <p:cNvPr id="44" name="Rounded Rectangle 43">
+            <a:extLst>
+              <a:ext uri="{FF2B5EF4-FFF2-40B4-BE49-F238E27FC236}">
+                <a16:creationId xmlns:a16="http://schemas.microsoft.com/office/drawing/2014/main" id="{C2E81907-F332-0D62-4C4B-5859F7BA0FE6}"/>
+              </a:ext>
+            </a:extLst>
+          </p:cNvPr>
+          <p:cNvSpPr/>
+          <p:nvPr/>
+        </p:nvSpPr>
+        <p:spPr>
+          <a:xfrm>
+            <a:off x="10008967" y="3926413"/>
+            <a:ext cx="2104373" cy="991292"/>
+          </a:xfrm>
+          <a:prstGeom prst="roundRect">
+            <a:avLst/>
+          </a:prstGeom>
+          <a:solidFill>
+            <a:schemeClr val="bg1">
+              <a:lumMod val="75000"/>
+            </a:schemeClr>
+          </a:solidFill>
+          <a:ln>
+            <a:noFill/>
+          </a:ln>
+        </p:spPr>
+        <p:style>
+          <a:lnRef idx="2">
+            <a:schemeClr val="accent1">
+              <a:shade val="15000"/>
+            </a:schemeClr>
+          </a:lnRef>
+          <a:fillRef idx="1">
+            <a:schemeClr val="accent1"/>
+          </a:fillRef>
+          <a:effectRef idx="0">
+            <a:schemeClr val="accent1"/>
+          </a:effectRef>
+          <a:fontRef idx="minor">
+            <a:schemeClr val="lt1"/>
+          </a:fontRef>
+        </p:style>
+        <p:txBody>
+          <a:bodyPr rtlCol="0" anchor="ctr"/>
+          <a:lstStyle/>
+          <a:p>
+            <a:pPr algn="ctr"/>
+            <a:r>
+              <a:rPr lang="en-US" sz="4800" dirty="0">
+                <a:solidFill>
+                  <a:schemeClr val="tx1"/>
+                </a:solidFill>
+              </a:rPr>
+              <a:t>quarto</a:t>
+            </a:r>
+          </a:p>
+        </p:txBody>
+      </p:sp>
+      <p:cxnSp>
+        <p:nvCxnSpPr>
+          <p:cNvPr id="47" name="Curved Connector 46">
+            <a:extLst>
+              <a:ext uri="{FF2B5EF4-FFF2-40B4-BE49-F238E27FC236}">
+                <a16:creationId xmlns:a16="http://schemas.microsoft.com/office/drawing/2014/main" id="{EDFF4752-8CDA-5343-F2BC-FEAA322FF25E}"/>
+              </a:ext>
+            </a:extLst>
+          </p:cNvPr>
+          <p:cNvCxnSpPr>
+            <a:cxnSpLocks/>
+            <a:stCxn id="8" idx="3"/>
+            <a:endCxn id="44" idx="1"/>
+          </p:cNvCxnSpPr>
+          <p:nvPr/>
+        </p:nvCxnSpPr>
+        <p:spPr>
+          <a:xfrm flipV="1">
+            <a:off x="9391709" y="4422059"/>
+            <a:ext cx="617258" cy="1"/>
+          </a:xfrm>
+          <a:prstGeom prst="curvedConnector3">
+            <a:avLst/>
+          </a:prstGeom>
+          <a:ln w="38100">
+            <a:tailEnd type="triangle"/>
+          </a:ln>
+        </p:spPr>
+        <p:style>
+          <a:lnRef idx="2">
+            <a:schemeClr val="dk1"/>
+          </a:lnRef>
+          <a:fillRef idx="0">
+            <a:schemeClr val="dk1"/>
+          </a:fillRef>
+          <a:effectRef idx="1">
+            <a:schemeClr val="dk1"/>
+          </a:effectRef>
+          <a:fontRef idx="minor">
+            <a:schemeClr val="tx1"/>
+          </a:fontRef>
+        </p:style>
+      </p:cxnSp>
+      <p:pic>
+        <p:nvPicPr>
+          <p:cNvPr id="125" name="Picture 124" descr="A cartoon of a person wearing a hard hat&#10;&#10;Description automatically generated">
+            <a:extLst>
+              <a:ext uri="{FF2B5EF4-FFF2-40B4-BE49-F238E27FC236}">
+                <a16:creationId xmlns:a16="http://schemas.microsoft.com/office/drawing/2014/main" id="{5FF37867-476B-26F7-A108-65770983EC9F}"/>
+              </a:ext>
+            </a:extLst>
+          </p:cNvPr>
+          <p:cNvPicPr>
+            <a:picLocks noChangeAspect="1"/>
+          </p:cNvPicPr>
+          <p:nvPr/>
+        </p:nvPicPr>
+        <p:blipFill>
+          <a:blip r:embed="rId2"/>
+          <a:stretch>
+            <a:fillRect/>
+          </a:stretch>
+        </p:blipFill>
+        <p:spPr>
+          <a:xfrm>
+            <a:off x="1129501" y="1980343"/>
+            <a:ext cx="1428746" cy="1902488"/>
+          </a:xfrm>
+          <a:prstGeom prst="rect">
+            <a:avLst/>
+          </a:prstGeom>
+        </p:spPr>
+      </p:pic>
+      <p:sp>
+        <p:nvSpPr>
+          <p:cNvPr id="126" name="TextBox 125">
+            <a:extLst>
+              <a:ext uri="{FF2B5EF4-FFF2-40B4-BE49-F238E27FC236}">
+                <a16:creationId xmlns:a16="http://schemas.microsoft.com/office/drawing/2014/main" id="{321149FB-4481-20E4-F8A7-57CAD3BEBA5E}"/>
+              </a:ext>
+            </a:extLst>
+          </p:cNvPr>
+          <p:cNvSpPr txBox="1"/>
+          <p:nvPr/>
+        </p:nvSpPr>
+        <p:spPr>
+          <a:xfrm>
+            <a:off x="592882" y="3258291"/>
+            <a:ext cx="764014" cy="769441"/>
+          </a:xfrm>
+          <a:prstGeom prst="rect">
+            <a:avLst/>
+          </a:prstGeom>
+          <a:noFill/>
+        </p:spPr>
+        <p:txBody>
+          <a:bodyPr wrap="square" rtlCol="0">
+            <a:spAutoFit/>
+          </a:bodyPr>
+          <a:lstStyle/>
+          <a:p>
+            <a:r>
+              <a:rPr lang="en-US" sz="4400" dirty="0"/>
+              <a:t>👋🏽</a:t>
+            </a:r>
+          </a:p>
+        </p:txBody>
+      </p:sp>
+    </p:spTree>
+    <p:extLst>
+      <p:ext uri="{BB962C8B-B14F-4D97-AF65-F5344CB8AC3E}">
+        <p14:creationId xmlns:p14="http://schemas.microsoft.com/office/powerpoint/2010/main" val="3331200067"/>
+      </p:ext>
+    </p:extLst>
+  </p:cSld>
+  <p:clrMapOvr>
+    <a:masterClrMapping/>
+  </p:clrMapOvr>
+</p:sld>
+</file>
+
+<file path=ppt/slides/slide12.xml><?xml version="1.0" encoding="utf-8"?>
+<p:sld xmlns:a="http://schemas.openxmlformats.org/drawingml/2006/main" xmlns:r="http://schemas.openxmlformats.org/officeDocument/2006/relationships" xmlns:p="http://schemas.openxmlformats.org/presentationml/2006/main">
+  <p:cSld>
+    <p:spTree>
+      <p:nvGrpSpPr>
+        <p:cNvPr id="1" name="">
+          <a:extLst>
+            <a:ext uri="{FF2B5EF4-FFF2-40B4-BE49-F238E27FC236}">
+              <a16:creationId xmlns:a16="http://schemas.microsoft.com/office/drawing/2014/main" id="{ADF1C7A0-0369-769D-E14D-DB033B594255}"/>
+            </a:ext>
+          </a:extLst>
+        </p:cNvPr>
+        <p:cNvGrpSpPr/>
+        <p:nvPr/>
+      </p:nvGrpSpPr>
+      <p:grpSpPr>
+        <a:xfrm>
+          <a:off x="0" y="0"/>
+          <a:ext cx="0" cy="0"/>
+          <a:chOff x="0" y="0"/>
+          <a:chExt cx="0" cy="0"/>
+        </a:xfrm>
+      </p:grpSpPr>
+      <p:sp>
+        <p:nvSpPr>
+          <p:cNvPr id="2" name="Rounded Rectangle 1">
+            <a:extLst>
+              <a:ext uri="{FF2B5EF4-FFF2-40B4-BE49-F238E27FC236}">
+                <a16:creationId xmlns:a16="http://schemas.microsoft.com/office/drawing/2014/main" id="{D8D0E285-8E2C-BF20-1BE9-AB176F63AF65}"/>
+              </a:ext>
+            </a:extLst>
+          </p:cNvPr>
+          <p:cNvSpPr/>
+          <p:nvPr/>
+        </p:nvSpPr>
+        <p:spPr>
+          <a:xfrm>
+            <a:off x="4364290" y="2596186"/>
+            <a:ext cx="2411164" cy="991293"/>
+          </a:xfrm>
+          <a:prstGeom prst="roundRect">
+            <a:avLst/>
+          </a:prstGeom>
+          <a:solidFill>
+            <a:srgbClr val="FFC000"/>
+          </a:solidFill>
+          <a:ln>
+            <a:noFill/>
+          </a:ln>
+        </p:spPr>
+        <p:style>
+          <a:lnRef idx="2">
+            <a:schemeClr val="accent1">
+              <a:shade val="15000"/>
+            </a:schemeClr>
+          </a:lnRef>
+          <a:fillRef idx="1">
+            <a:schemeClr val="accent1"/>
+          </a:fillRef>
+          <a:effectRef idx="0">
+            <a:schemeClr val="accent1"/>
+          </a:effectRef>
+          <a:fontRef idx="minor">
+            <a:schemeClr val="lt1"/>
+          </a:fontRef>
+        </p:style>
+        <p:txBody>
+          <a:bodyPr rtlCol="0" anchor="ctr"/>
+          <a:lstStyle/>
+          <a:p>
+            <a:pPr algn="ctr"/>
+            <a:r>
+              <a:rPr lang="en-US" sz="4800" dirty="0">
+                <a:solidFill>
+                  <a:schemeClr val="tx1"/>
+                </a:solidFill>
+              </a:rPr>
+              <a:t>trials_1</a:t>
+            </a:r>
+          </a:p>
+        </p:txBody>
+      </p:sp>
+      <p:sp>
+        <p:nvSpPr>
+          <p:cNvPr id="3" name="Rounded Rectangle 2">
+            <a:extLst>
+              <a:ext uri="{FF2B5EF4-FFF2-40B4-BE49-F238E27FC236}">
+                <a16:creationId xmlns:a16="http://schemas.microsoft.com/office/drawing/2014/main" id="{BB7FE523-2DBD-6F49-9230-79844063DCB9}"/>
+              </a:ext>
+            </a:extLst>
+          </p:cNvPr>
+          <p:cNvSpPr/>
+          <p:nvPr/>
+        </p:nvSpPr>
+        <p:spPr>
+          <a:xfrm>
+            <a:off x="4364290" y="5746329"/>
+            <a:ext cx="2411164" cy="991293"/>
+          </a:xfrm>
+          <a:prstGeom prst="roundRect">
+            <a:avLst/>
+          </a:prstGeom>
+          <a:solidFill>
+            <a:srgbClr val="FFC000"/>
+          </a:solidFill>
+          <a:ln>
+            <a:noFill/>
+          </a:ln>
+        </p:spPr>
+        <p:style>
+          <a:lnRef idx="2">
+            <a:schemeClr val="accent1">
+              <a:shade val="15000"/>
+            </a:schemeClr>
+          </a:lnRef>
+          <a:fillRef idx="1">
+            <a:schemeClr val="accent1"/>
+          </a:fillRef>
+          <a:effectRef idx="0">
+            <a:schemeClr val="accent1"/>
+          </a:effectRef>
+          <a:fontRef idx="minor">
+            <a:schemeClr val="lt1"/>
+          </a:fontRef>
+        </p:style>
+        <p:txBody>
+          <a:bodyPr rtlCol="0" anchor="ctr"/>
+          <a:lstStyle/>
+          <a:p>
+            <a:pPr algn="ctr"/>
+            <a:r>
+              <a:rPr lang="en-US" sz="4800" dirty="0">
+                <a:solidFill>
+                  <a:schemeClr val="tx1"/>
+                </a:solidFill>
+              </a:rPr>
+              <a:t>trials_2</a:t>
+            </a:r>
+          </a:p>
+        </p:txBody>
+      </p:sp>
+      <p:sp>
+        <p:nvSpPr>
+          <p:cNvPr id="7" name="Rounded Rectangle 6">
+            <a:extLst>
+              <a:ext uri="{FF2B5EF4-FFF2-40B4-BE49-F238E27FC236}">
+                <a16:creationId xmlns:a16="http://schemas.microsoft.com/office/drawing/2014/main" id="{AD098C29-710A-E60B-739C-1E6F0496CB80}"/>
+              </a:ext>
+            </a:extLst>
+          </p:cNvPr>
+          <p:cNvSpPr/>
+          <p:nvPr/>
+        </p:nvSpPr>
+        <p:spPr>
+          <a:xfrm>
+            <a:off x="239893" y="3926413"/>
+            <a:ext cx="3221376" cy="985336"/>
+          </a:xfrm>
+          <a:prstGeom prst="roundRect">
+            <a:avLst/>
+          </a:prstGeom>
+          <a:solidFill>
+            <a:srgbClr val="354823"/>
+          </a:solidFill>
+          <a:ln>
+            <a:noFill/>
+          </a:ln>
+        </p:spPr>
+        <p:style>
+          <a:lnRef idx="2">
+            <a:schemeClr val="accent1">
+              <a:shade val="15000"/>
+            </a:schemeClr>
+          </a:lnRef>
+          <a:fillRef idx="1">
+            <a:schemeClr val="accent1"/>
+          </a:fillRef>
+          <a:effectRef idx="0">
+            <a:schemeClr val="accent1"/>
+          </a:effectRef>
+          <a:fontRef idx="minor">
+            <a:schemeClr val="lt1"/>
+          </a:fontRef>
+        </p:style>
+        <p:txBody>
+          <a:bodyPr rtlCol="0" anchor="ctr"/>
+          <a:lstStyle/>
+          <a:p>
+            <a:pPr algn="ctr"/>
+            <a:r>
+              <a:rPr lang="en-US" sz="4000" dirty="0">
+                <a:solidFill>
+                  <a:schemeClr val="bg1"/>
+                </a:solidFill>
+              </a:rPr>
+              <a:t>hazard_ratios</a:t>
+            </a:r>
+          </a:p>
+        </p:txBody>
+      </p:sp>
+      <p:sp>
+        <p:nvSpPr>
+          <p:cNvPr id="8" name="Rounded Rectangle 7">
+            <a:extLst>
+              <a:ext uri="{FF2B5EF4-FFF2-40B4-BE49-F238E27FC236}">
+                <a16:creationId xmlns:a16="http://schemas.microsoft.com/office/drawing/2014/main" id="{E666D4A3-6D7E-C485-314F-1CF51F191313}"/>
+              </a:ext>
+            </a:extLst>
+          </p:cNvPr>
+          <p:cNvSpPr/>
+          <p:nvPr/>
+        </p:nvSpPr>
+        <p:spPr>
+          <a:xfrm>
+            <a:off x="7585666" y="3926413"/>
+            <a:ext cx="1806043" cy="991293"/>
+          </a:xfrm>
+          <a:prstGeom prst="roundRect">
+            <a:avLst/>
+          </a:prstGeom>
+          <a:solidFill>
+            <a:schemeClr val="bg1">
+              <a:lumMod val="75000"/>
+            </a:schemeClr>
+          </a:solidFill>
+          <a:ln>
+            <a:noFill/>
+          </a:ln>
+        </p:spPr>
+        <p:style>
+          <a:lnRef idx="2">
+            <a:schemeClr val="accent1">
+              <a:shade val="15000"/>
+            </a:schemeClr>
+          </a:lnRef>
+          <a:fillRef idx="1">
+            <a:schemeClr val="accent1"/>
+          </a:fillRef>
+          <a:effectRef idx="0">
+            <a:schemeClr val="accent1"/>
+          </a:effectRef>
+          <a:fontRef idx="minor">
+            <a:schemeClr val="lt1"/>
+          </a:fontRef>
+        </p:style>
+        <p:txBody>
+          <a:bodyPr rtlCol="0" anchor="ctr"/>
+          <a:lstStyle/>
+          <a:p>
+            <a:pPr algn="ctr"/>
+            <a:r>
+              <a:rPr lang="en-US" sz="4800" dirty="0">
+                <a:solidFill>
+                  <a:schemeClr val="tx1"/>
+                </a:solidFill>
+              </a:rPr>
+              <a:t>plot</a:t>
+            </a:r>
+          </a:p>
+        </p:txBody>
+      </p:sp>
+      <p:cxnSp>
+        <p:nvCxnSpPr>
+          <p:cNvPr id="21" name="Curved Connector 20">
+            <a:extLst>
+              <a:ext uri="{FF2B5EF4-FFF2-40B4-BE49-F238E27FC236}">
+                <a16:creationId xmlns:a16="http://schemas.microsoft.com/office/drawing/2014/main" id="{306A0BAB-613E-E934-5ADE-9406C9D65C8D}"/>
+              </a:ext>
+            </a:extLst>
+          </p:cNvPr>
+          <p:cNvCxnSpPr>
+            <a:cxnSpLocks/>
+            <a:stCxn id="7" idx="3"/>
+            <a:endCxn id="2" idx="1"/>
+          </p:cNvCxnSpPr>
+          <p:nvPr/>
+        </p:nvCxnSpPr>
+        <p:spPr>
+          <a:xfrm flipV="1">
+            <a:off x="3461269" y="3091833"/>
+            <a:ext cx="903021" cy="1327248"/>
+          </a:xfrm>
+          <a:prstGeom prst="curvedConnector3">
+            <a:avLst/>
+          </a:prstGeom>
+          <a:ln w="38100">
+            <a:tailEnd type="triangle"/>
+          </a:ln>
+        </p:spPr>
+        <p:style>
+          <a:lnRef idx="2">
+            <a:schemeClr val="dk1"/>
+          </a:lnRef>
+          <a:fillRef idx="0">
+            <a:schemeClr val="dk1"/>
+          </a:fillRef>
+          <a:effectRef idx="1">
+            <a:schemeClr val="dk1"/>
+          </a:effectRef>
+          <a:fontRef idx="minor">
+            <a:schemeClr val="tx1"/>
+          </a:fontRef>
+        </p:style>
+      </p:cxnSp>
+      <p:cxnSp>
+        <p:nvCxnSpPr>
+          <p:cNvPr id="28" name="Curved Connector 27">
+            <a:extLst>
+              <a:ext uri="{FF2B5EF4-FFF2-40B4-BE49-F238E27FC236}">
+                <a16:creationId xmlns:a16="http://schemas.microsoft.com/office/drawing/2014/main" id="{4BF55140-1794-26DF-C7FB-10F9B293E65B}"/>
+              </a:ext>
+            </a:extLst>
+          </p:cNvPr>
+          <p:cNvCxnSpPr>
+            <a:cxnSpLocks/>
+            <a:stCxn id="2" idx="3"/>
+            <a:endCxn id="8" idx="1"/>
+          </p:cNvCxnSpPr>
+          <p:nvPr/>
+        </p:nvCxnSpPr>
+        <p:spPr>
+          <a:xfrm>
+            <a:off x="6775454" y="3091833"/>
+            <a:ext cx="810212" cy="1330227"/>
+          </a:xfrm>
+          <a:prstGeom prst="curvedConnector3">
+            <a:avLst/>
+          </a:prstGeom>
+          <a:ln w="38100">
+            <a:tailEnd type="triangle"/>
+          </a:ln>
+        </p:spPr>
+        <p:style>
+          <a:lnRef idx="2">
+            <a:schemeClr val="dk1"/>
+          </a:lnRef>
+          <a:fillRef idx="0">
+            <a:schemeClr val="dk1"/>
+          </a:fillRef>
+          <a:effectRef idx="1">
+            <a:schemeClr val="dk1"/>
+          </a:effectRef>
+          <a:fontRef idx="minor">
+            <a:schemeClr val="tx1"/>
+          </a:fontRef>
+        </p:style>
+      </p:cxnSp>
+      <p:cxnSp>
+        <p:nvCxnSpPr>
+          <p:cNvPr id="31" name="Curved Connector 30">
+            <a:extLst>
+              <a:ext uri="{FF2B5EF4-FFF2-40B4-BE49-F238E27FC236}">
+                <a16:creationId xmlns:a16="http://schemas.microsoft.com/office/drawing/2014/main" id="{72B4247E-6FEB-9633-1ADD-B3336601D7C2}"/>
+              </a:ext>
+            </a:extLst>
+          </p:cNvPr>
+          <p:cNvCxnSpPr>
+            <a:cxnSpLocks/>
+            <a:stCxn id="3" idx="3"/>
+            <a:endCxn id="8" idx="1"/>
+          </p:cNvCxnSpPr>
+          <p:nvPr/>
+        </p:nvCxnSpPr>
+        <p:spPr>
+          <a:xfrm flipV="1">
+            <a:off x="6775454" y="4422060"/>
+            <a:ext cx="810212" cy="1819916"/>
+          </a:xfrm>
+          <a:prstGeom prst="curvedConnector3">
+            <a:avLst/>
+          </a:prstGeom>
+          <a:ln w="38100">
+            <a:tailEnd type="triangle"/>
+          </a:ln>
+        </p:spPr>
+        <p:style>
+          <a:lnRef idx="2">
+            <a:schemeClr val="dk1"/>
+          </a:lnRef>
+          <a:fillRef idx="0">
+            <a:schemeClr val="dk1"/>
+          </a:fillRef>
+          <a:effectRef idx="1">
+            <a:schemeClr val="dk1"/>
+          </a:effectRef>
+          <a:fontRef idx="minor">
+            <a:schemeClr val="tx1"/>
+          </a:fontRef>
+        </p:style>
+      </p:cxnSp>
+      <p:cxnSp>
+        <p:nvCxnSpPr>
+          <p:cNvPr id="19" name="Curved Connector 18">
+            <a:extLst>
+              <a:ext uri="{FF2B5EF4-FFF2-40B4-BE49-F238E27FC236}">
+                <a16:creationId xmlns:a16="http://schemas.microsoft.com/office/drawing/2014/main" id="{019B111E-BAD6-13BF-A36D-66A7B1546484}"/>
+              </a:ext>
+            </a:extLst>
+          </p:cNvPr>
+          <p:cNvCxnSpPr>
+            <a:cxnSpLocks/>
+            <a:stCxn id="7" idx="3"/>
+            <a:endCxn id="3" idx="1"/>
+          </p:cNvCxnSpPr>
+          <p:nvPr/>
+        </p:nvCxnSpPr>
+        <p:spPr>
+          <a:xfrm>
+            <a:off x="3461269" y="4419081"/>
+            <a:ext cx="903021" cy="1822895"/>
+          </a:xfrm>
+          <a:prstGeom prst="curvedConnector3">
+            <a:avLst/>
+          </a:prstGeom>
+          <a:ln w="38100">
+            <a:tailEnd type="triangle"/>
+          </a:ln>
+        </p:spPr>
+        <p:style>
+          <a:lnRef idx="2">
+            <a:schemeClr val="dk1"/>
+          </a:lnRef>
+          <a:fillRef idx="0">
+            <a:schemeClr val="dk1"/>
+          </a:fillRef>
+          <a:effectRef idx="1">
+            <a:schemeClr val="dk1"/>
+          </a:effectRef>
+          <a:fontRef idx="minor">
+            <a:schemeClr val="tx1"/>
+          </a:fontRef>
+        </p:style>
+      </p:cxnSp>
+      <p:sp>
+        <p:nvSpPr>
+          <p:cNvPr id="44" name="Rounded Rectangle 43">
+            <a:extLst>
+              <a:ext uri="{FF2B5EF4-FFF2-40B4-BE49-F238E27FC236}">
+                <a16:creationId xmlns:a16="http://schemas.microsoft.com/office/drawing/2014/main" id="{B7BD90AF-2E39-E367-1E84-38C3B921DBBD}"/>
+              </a:ext>
+            </a:extLst>
+          </p:cNvPr>
+          <p:cNvSpPr/>
+          <p:nvPr/>
+        </p:nvSpPr>
+        <p:spPr>
+          <a:xfrm>
+            <a:off x="10008967" y="3926413"/>
+            <a:ext cx="2104373" cy="991292"/>
+          </a:xfrm>
+          <a:prstGeom prst="roundRect">
+            <a:avLst/>
+          </a:prstGeom>
+          <a:solidFill>
+            <a:schemeClr val="bg1">
+              <a:lumMod val="75000"/>
+            </a:schemeClr>
+          </a:solidFill>
+          <a:ln>
+            <a:noFill/>
+          </a:ln>
+        </p:spPr>
+        <p:style>
+          <a:lnRef idx="2">
+            <a:schemeClr val="accent1">
+              <a:shade val="15000"/>
+            </a:schemeClr>
+          </a:lnRef>
+          <a:fillRef idx="1">
+            <a:schemeClr val="accent1"/>
+          </a:fillRef>
+          <a:effectRef idx="0">
+            <a:schemeClr val="accent1"/>
+          </a:effectRef>
+          <a:fontRef idx="minor">
+            <a:schemeClr val="lt1"/>
+          </a:fontRef>
+        </p:style>
+        <p:txBody>
+          <a:bodyPr rtlCol="0" anchor="ctr"/>
+          <a:lstStyle/>
+          <a:p>
+            <a:pPr algn="ctr"/>
+            <a:r>
+              <a:rPr lang="en-US" sz="4800" dirty="0">
+                <a:solidFill>
+                  <a:schemeClr val="tx1"/>
+                </a:solidFill>
+              </a:rPr>
+              <a:t>quarto</a:t>
+            </a:r>
+          </a:p>
+        </p:txBody>
+      </p:sp>
+      <p:cxnSp>
+        <p:nvCxnSpPr>
+          <p:cNvPr id="47" name="Curved Connector 46">
+            <a:extLst>
+              <a:ext uri="{FF2B5EF4-FFF2-40B4-BE49-F238E27FC236}">
+                <a16:creationId xmlns:a16="http://schemas.microsoft.com/office/drawing/2014/main" id="{68823EE8-3B2F-F0BD-2969-E0722AAB0D36}"/>
+              </a:ext>
+            </a:extLst>
+          </p:cNvPr>
+          <p:cNvCxnSpPr>
+            <a:cxnSpLocks/>
+            <a:stCxn id="8" idx="3"/>
+            <a:endCxn id="44" idx="1"/>
+          </p:cNvCxnSpPr>
+          <p:nvPr/>
+        </p:nvCxnSpPr>
+        <p:spPr>
+          <a:xfrm flipV="1">
+            <a:off x="9391709" y="4422059"/>
+            <a:ext cx="617258" cy="1"/>
+          </a:xfrm>
+          <a:prstGeom prst="curvedConnector3">
+            <a:avLst/>
+          </a:prstGeom>
+          <a:ln w="38100">
+            <a:tailEnd type="triangle"/>
+          </a:ln>
+        </p:spPr>
+        <p:style>
+          <a:lnRef idx="2">
+            <a:schemeClr val="dk1"/>
+          </a:lnRef>
+          <a:fillRef idx="0">
+            <a:schemeClr val="dk1"/>
+          </a:fillRef>
+          <a:effectRef idx="1">
+            <a:schemeClr val="dk1"/>
+          </a:effectRef>
+          <a:fontRef idx="minor">
+            <a:schemeClr val="tx1"/>
+          </a:fontRef>
+        </p:style>
+      </p:cxnSp>
+      <p:pic>
+        <p:nvPicPr>
+          <p:cNvPr id="4" name="Picture 3" descr="A cartoon of a person wearing a hard hat&#10;&#10;Description automatically generated">
+            <a:extLst>
+              <a:ext uri="{FF2B5EF4-FFF2-40B4-BE49-F238E27FC236}">
+                <a16:creationId xmlns:a16="http://schemas.microsoft.com/office/drawing/2014/main" id="{B7FF0D13-DEE5-F9CE-63FC-FD3E537E8717}"/>
+              </a:ext>
+            </a:extLst>
+          </p:cNvPr>
+          <p:cNvPicPr>
+            <a:picLocks noChangeAspect="1"/>
+          </p:cNvPicPr>
+          <p:nvPr/>
+        </p:nvPicPr>
+        <p:blipFill>
+          <a:blip r:embed="rId2"/>
+          <a:stretch>
+            <a:fillRect/>
+          </a:stretch>
+        </p:blipFill>
+        <p:spPr>
+          <a:xfrm>
+            <a:off x="4855499" y="693698"/>
+            <a:ext cx="1428746" cy="1902488"/>
+          </a:xfrm>
+          <a:prstGeom prst="rect">
+            <a:avLst/>
+          </a:prstGeom>
+        </p:spPr>
+      </p:pic>
+      <p:pic>
+        <p:nvPicPr>
+          <p:cNvPr id="5" name="Picture 4" descr="A cartoon character wearing a yellow hard hat&#10;&#10;Description automatically generated">
+            <a:extLst>
+              <a:ext uri="{FF2B5EF4-FFF2-40B4-BE49-F238E27FC236}">
+                <a16:creationId xmlns:a16="http://schemas.microsoft.com/office/drawing/2014/main" id="{65CEAC31-7A1B-93CC-E143-169C8D0E5274}"/>
+              </a:ext>
+            </a:extLst>
+          </p:cNvPr>
+          <p:cNvPicPr>
+            <a:picLocks noChangeAspect="1"/>
+          </p:cNvPicPr>
+          <p:nvPr/>
+        </p:nvPicPr>
+        <p:blipFill>
+          <a:blip r:embed="rId3"/>
+          <a:stretch>
+            <a:fillRect/>
+          </a:stretch>
+        </p:blipFill>
+        <p:spPr>
+          <a:xfrm>
+            <a:off x="4940964" y="3717669"/>
+            <a:ext cx="1428746" cy="2028660"/>
+          </a:xfrm>
+          <a:prstGeom prst="rect">
+            <a:avLst/>
+          </a:prstGeom>
+        </p:spPr>
+      </p:pic>
+      <p:sp>
+        <p:nvSpPr>
+          <p:cNvPr id="6" name="TextBox 5">
+            <a:extLst>
+              <a:ext uri="{FF2B5EF4-FFF2-40B4-BE49-F238E27FC236}">
+                <a16:creationId xmlns:a16="http://schemas.microsoft.com/office/drawing/2014/main" id="{83A8433E-3BF4-9BB0-8FCD-4E2FF720C0A2}"/>
+              </a:ext>
+            </a:extLst>
+          </p:cNvPr>
+          <p:cNvSpPr txBox="1"/>
+          <p:nvPr/>
+        </p:nvSpPr>
+        <p:spPr>
+          <a:xfrm>
+            <a:off x="4352153" y="4973909"/>
+            <a:ext cx="764014" cy="769441"/>
+          </a:xfrm>
+          <a:prstGeom prst="rect">
+            <a:avLst/>
+          </a:prstGeom>
+          <a:noFill/>
+        </p:spPr>
+        <p:txBody>
+          <a:bodyPr wrap="square" rtlCol="0">
+            <a:spAutoFit/>
+          </a:bodyPr>
+          <a:lstStyle/>
+          <a:p>
+            <a:r>
+              <a:rPr lang="en-US" sz="4400" dirty="0"/>
+              <a:t>👋🏽</a:t>
+            </a:r>
+          </a:p>
+        </p:txBody>
+      </p:sp>
+    </p:spTree>
+    <p:extLst>
+      <p:ext uri="{BB962C8B-B14F-4D97-AF65-F5344CB8AC3E}">
+        <p14:creationId xmlns:p14="http://schemas.microsoft.com/office/powerpoint/2010/main" val="2979973360"/>
+      </p:ext>
+    </p:extLst>
+  </p:cSld>
+  <p:clrMapOvr>
+    <a:masterClrMapping/>
+  </p:clrMapOvr>
+</p:sld>
+</file>
+
+<file path=ppt/slides/slide13.xml><?xml version="1.0" encoding="utf-8"?>
+<p:sld xmlns:a="http://schemas.openxmlformats.org/drawingml/2006/main" xmlns:r="http://schemas.openxmlformats.org/officeDocument/2006/relationships" xmlns:p="http://schemas.openxmlformats.org/presentationml/2006/main">
+  <p:cSld>
+    <p:spTree>
+      <p:nvGrpSpPr>
+        <p:cNvPr id="1" name="">
+          <a:extLst>
+            <a:ext uri="{FF2B5EF4-FFF2-40B4-BE49-F238E27FC236}">
+              <a16:creationId xmlns:a16="http://schemas.microsoft.com/office/drawing/2014/main" id="{9B781CC7-63C6-944E-986D-76540E462B1C}"/>
+            </a:ext>
+          </a:extLst>
+        </p:cNvPr>
+        <p:cNvGrpSpPr/>
+        <p:nvPr/>
+      </p:nvGrpSpPr>
+      <p:grpSpPr>
+        <a:xfrm>
+          <a:off x="0" y="0"/>
+          <a:ext cx="0" cy="0"/>
+          <a:chOff x="0" y="0"/>
+          <a:chExt cx="0" cy="0"/>
+        </a:xfrm>
+      </p:grpSpPr>
+      <p:sp>
+        <p:nvSpPr>
+          <p:cNvPr id="2" name="Rounded Rectangle 1">
+            <a:extLst>
+              <a:ext uri="{FF2B5EF4-FFF2-40B4-BE49-F238E27FC236}">
+                <a16:creationId xmlns:a16="http://schemas.microsoft.com/office/drawing/2014/main" id="{9DA4EC58-7BD9-73FD-FB4F-409F3A796023}"/>
+              </a:ext>
+            </a:extLst>
+          </p:cNvPr>
+          <p:cNvSpPr/>
+          <p:nvPr/>
+        </p:nvSpPr>
+        <p:spPr>
+          <a:xfrm>
+            <a:off x="4364290" y="2596186"/>
+            <a:ext cx="2411164" cy="991293"/>
+          </a:xfrm>
+          <a:prstGeom prst="roundRect">
+            <a:avLst/>
+          </a:prstGeom>
+          <a:solidFill>
+            <a:srgbClr val="354823"/>
+          </a:solidFill>
+          <a:ln>
+            <a:noFill/>
+          </a:ln>
+        </p:spPr>
+        <p:style>
+          <a:lnRef idx="2">
+            <a:schemeClr val="accent1">
+              <a:shade val="15000"/>
+            </a:schemeClr>
+          </a:lnRef>
+          <a:fillRef idx="1">
+            <a:schemeClr val="accent1"/>
+          </a:fillRef>
+          <a:effectRef idx="0">
+            <a:schemeClr val="accent1"/>
+          </a:effectRef>
+          <a:fontRef idx="minor">
+            <a:schemeClr val="lt1"/>
+          </a:fontRef>
+        </p:style>
+        <p:txBody>
+          <a:bodyPr rtlCol="0" anchor="ctr"/>
+          <a:lstStyle/>
+          <a:p>
+            <a:pPr algn="ctr"/>
+            <a:r>
+              <a:rPr lang="en-US" sz="4800" dirty="0">
+                <a:solidFill>
+                  <a:schemeClr val="bg1"/>
+                </a:solidFill>
+              </a:rPr>
+              <a:t>trials_1</a:t>
+            </a:r>
+          </a:p>
+        </p:txBody>
+      </p:sp>
+      <p:sp>
+        <p:nvSpPr>
+          <p:cNvPr id="3" name="Rounded Rectangle 2">
+            <a:extLst>
+              <a:ext uri="{FF2B5EF4-FFF2-40B4-BE49-F238E27FC236}">
+                <a16:creationId xmlns:a16="http://schemas.microsoft.com/office/drawing/2014/main" id="{EC51919A-5855-1851-253A-B57301D9456D}"/>
+              </a:ext>
+            </a:extLst>
+          </p:cNvPr>
+          <p:cNvSpPr/>
+          <p:nvPr/>
+        </p:nvSpPr>
+        <p:spPr>
+          <a:xfrm>
+            <a:off x="4364290" y="5746329"/>
+            <a:ext cx="2411164" cy="991293"/>
+          </a:xfrm>
+          <a:prstGeom prst="roundRect">
+            <a:avLst/>
+          </a:prstGeom>
+          <a:solidFill>
+            <a:srgbClr val="354823"/>
+          </a:solidFill>
+          <a:ln>
+            <a:noFill/>
+          </a:ln>
+        </p:spPr>
+        <p:style>
+          <a:lnRef idx="2">
+            <a:schemeClr val="accent1">
+              <a:shade val="15000"/>
+            </a:schemeClr>
+          </a:lnRef>
+          <a:fillRef idx="1">
+            <a:schemeClr val="accent1"/>
+          </a:fillRef>
+          <a:effectRef idx="0">
+            <a:schemeClr val="accent1"/>
+          </a:effectRef>
+          <a:fontRef idx="minor">
+            <a:schemeClr val="lt1"/>
+          </a:fontRef>
+        </p:style>
+        <p:txBody>
+          <a:bodyPr rtlCol="0" anchor="ctr"/>
+          <a:lstStyle/>
+          <a:p>
+            <a:pPr algn="ctr"/>
+            <a:r>
+              <a:rPr lang="en-US" sz="4800" dirty="0">
+                <a:solidFill>
+                  <a:schemeClr val="bg1"/>
+                </a:solidFill>
+              </a:rPr>
+              <a:t>trials_2</a:t>
+            </a:r>
+          </a:p>
+        </p:txBody>
+      </p:sp>
+      <p:sp>
+        <p:nvSpPr>
+          <p:cNvPr id="7" name="Rounded Rectangle 6">
+            <a:extLst>
+              <a:ext uri="{FF2B5EF4-FFF2-40B4-BE49-F238E27FC236}">
+                <a16:creationId xmlns:a16="http://schemas.microsoft.com/office/drawing/2014/main" id="{2AED60A3-1B5D-089D-0CAF-985B35FCD038}"/>
+              </a:ext>
+            </a:extLst>
+          </p:cNvPr>
+          <p:cNvSpPr/>
+          <p:nvPr/>
+        </p:nvSpPr>
+        <p:spPr>
+          <a:xfrm>
+            <a:off x="239893" y="3926413"/>
+            <a:ext cx="3221376" cy="985336"/>
+          </a:xfrm>
+          <a:prstGeom prst="roundRect">
+            <a:avLst/>
+          </a:prstGeom>
+          <a:solidFill>
+            <a:srgbClr val="354823"/>
+          </a:solidFill>
+          <a:ln>
+            <a:noFill/>
+          </a:ln>
+        </p:spPr>
+        <p:style>
+          <a:lnRef idx="2">
+            <a:schemeClr val="accent1">
+              <a:shade val="15000"/>
+            </a:schemeClr>
+          </a:lnRef>
+          <a:fillRef idx="1">
+            <a:schemeClr val="accent1"/>
+          </a:fillRef>
+          <a:effectRef idx="0">
+            <a:schemeClr val="accent1"/>
+          </a:effectRef>
+          <a:fontRef idx="minor">
+            <a:schemeClr val="lt1"/>
+          </a:fontRef>
+        </p:style>
+        <p:txBody>
+          <a:bodyPr rtlCol="0" anchor="ctr"/>
+          <a:lstStyle/>
+          <a:p>
+            <a:pPr algn="ctr"/>
+            <a:r>
+              <a:rPr lang="en-US" sz="4000" dirty="0">
+                <a:solidFill>
+                  <a:schemeClr val="bg1"/>
+                </a:solidFill>
+              </a:rPr>
+              <a:t>hazard_ratios</a:t>
+            </a:r>
+          </a:p>
+        </p:txBody>
+      </p:sp>
+      <p:sp>
+        <p:nvSpPr>
+          <p:cNvPr id="8" name="Rounded Rectangle 7">
+            <a:extLst>
+              <a:ext uri="{FF2B5EF4-FFF2-40B4-BE49-F238E27FC236}">
+                <a16:creationId xmlns:a16="http://schemas.microsoft.com/office/drawing/2014/main" id="{1D183DA3-94C2-6E68-7FDC-067B3F4A39E8}"/>
+              </a:ext>
+            </a:extLst>
+          </p:cNvPr>
+          <p:cNvSpPr/>
+          <p:nvPr/>
+        </p:nvSpPr>
+        <p:spPr>
+          <a:xfrm>
+            <a:off x="7585666" y="3926413"/>
+            <a:ext cx="1806043" cy="991293"/>
+          </a:xfrm>
+          <a:prstGeom prst="roundRect">
+            <a:avLst/>
+          </a:prstGeom>
+          <a:solidFill>
+            <a:srgbClr val="FFC000"/>
+          </a:solidFill>
+          <a:ln>
+            <a:noFill/>
+          </a:ln>
+        </p:spPr>
+        <p:style>
+          <a:lnRef idx="2">
+            <a:schemeClr val="accent1">
+              <a:shade val="15000"/>
+            </a:schemeClr>
+          </a:lnRef>
+          <a:fillRef idx="1">
+            <a:schemeClr val="accent1"/>
+          </a:fillRef>
+          <a:effectRef idx="0">
+            <a:schemeClr val="accent1"/>
+          </a:effectRef>
+          <a:fontRef idx="minor">
+            <a:schemeClr val="lt1"/>
+          </a:fontRef>
+        </p:style>
+        <p:txBody>
+          <a:bodyPr rtlCol="0" anchor="ctr"/>
+          <a:lstStyle/>
+          <a:p>
+            <a:pPr algn="ctr"/>
+            <a:r>
+              <a:rPr lang="en-US" sz="4800" dirty="0">
+                <a:solidFill>
+                  <a:schemeClr val="tx1"/>
+                </a:solidFill>
+              </a:rPr>
+              <a:t>plot</a:t>
+            </a:r>
+          </a:p>
+        </p:txBody>
+      </p:sp>
+      <p:cxnSp>
+        <p:nvCxnSpPr>
+          <p:cNvPr id="21" name="Curved Connector 20">
+            <a:extLst>
+              <a:ext uri="{FF2B5EF4-FFF2-40B4-BE49-F238E27FC236}">
+                <a16:creationId xmlns:a16="http://schemas.microsoft.com/office/drawing/2014/main" id="{98E942D7-DB52-A158-5063-385C3C94AA03}"/>
+              </a:ext>
+            </a:extLst>
+          </p:cNvPr>
+          <p:cNvCxnSpPr>
+            <a:cxnSpLocks/>
+            <a:stCxn id="7" idx="3"/>
+            <a:endCxn id="2" idx="1"/>
+          </p:cNvCxnSpPr>
+          <p:nvPr/>
+        </p:nvCxnSpPr>
+        <p:spPr>
+          <a:xfrm flipV="1">
+            <a:off x="3461269" y="3091833"/>
+            <a:ext cx="903021" cy="1327248"/>
+          </a:xfrm>
+          <a:prstGeom prst="curvedConnector3">
+            <a:avLst/>
+          </a:prstGeom>
+          <a:ln w="38100">
+            <a:tailEnd type="triangle"/>
+          </a:ln>
+        </p:spPr>
+        <p:style>
+          <a:lnRef idx="2">
+            <a:schemeClr val="dk1"/>
+          </a:lnRef>
+          <a:fillRef idx="0">
+            <a:schemeClr val="dk1"/>
+          </a:fillRef>
+          <a:effectRef idx="1">
+            <a:schemeClr val="dk1"/>
+          </a:effectRef>
+          <a:fontRef idx="minor">
+            <a:schemeClr val="tx1"/>
+          </a:fontRef>
+        </p:style>
+      </p:cxnSp>
+      <p:cxnSp>
+        <p:nvCxnSpPr>
+          <p:cNvPr id="28" name="Curved Connector 27">
+            <a:extLst>
+              <a:ext uri="{FF2B5EF4-FFF2-40B4-BE49-F238E27FC236}">
+                <a16:creationId xmlns:a16="http://schemas.microsoft.com/office/drawing/2014/main" id="{031DCF43-4CC2-E542-CE4D-519FF31C5190}"/>
+              </a:ext>
+            </a:extLst>
+          </p:cNvPr>
+          <p:cNvCxnSpPr>
+            <a:cxnSpLocks/>
+            <a:stCxn id="2" idx="3"/>
+            <a:endCxn id="8" idx="1"/>
+          </p:cNvCxnSpPr>
+          <p:nvPr/>
+        </p:nvCxnSpPr>
+        <p:spPr>
+          <a:xfrm>
+            <a:off x="6775454" y="3091833"/>
+            <a:ext cx="810212" cy="1330227"/>
+          </a:xfrm>
+          <a:prstGeom prst="curvedConnector3">
+            <a:avLst/>
+          </a:prstGeom>
+          <a:ln w="38100">
+            <a:tailEnd type="triangle"/>
+          </a:ln>
+        </p:spPr>
+        <p:style>
+          <a:lnRef idx="2">
+            <a:schemeClr val="dk1"/>
+          </a:lnRef>
+          <a:fillRef idx="0">
+            <a:schemeClr val="dk1"/>
+          </a:fillRef>
+          <a:effectRef idx="1">
+            <a:schemeClr val="dk1"/>
+          </a:effectRef>
+          <a:fontRef idx="minor">
+            <a:schemeClr val="tx1"/>
+          </a:fontRef>
+        </p:style>
+      </p:cxnSp>
+      <p:cxnSp>
+        <p:nvCxnSpPr>
+          <p:cNvPr id="31" name="Curved Connector 30">
+            <a:extLst>
+              <a:ext uri="{FF2B5EF4-FFF2-40B4-BE49-F238E27FC236}">
+                <a16:creationId xmlns:a16="http://schemas.microsoft.com/office/drawing/2014/main" id="{4FE2B534-B9E4-64ED-4607-F5FBE5E17BC2}"/>
+              </a:ext>
+            </a:extLst>
+          </p:cNvPr>
+          <p:cNvCxnSpPr>
+            <a:cxnSpLocks/>
+            <a:stCxn id="3" idx="3"/>
+            <a:endCxn id="8" idx="1"/>
+          </p:cNvCxnSpPr>
+          <p:nvPr/>
+        </p:nvCxnSpPr>
+        <p:spPr>
+          <a:xfrm flipV="1">
+            <a:off x="6775454" y="4422060"/>
+            <a:ext cx="810212" cy="1819916"/>
+          </a:xfrm>
+          <a:prstGeom prst="curvedConnector3">
+            <a:avLst/>
+          </a:prstGeom>
+          <a:ln w="38100">
+            <a:tailEnd type="triangle"/>
+          </a:ln>
+        </p:spPr>
+        <p:style>
+          <a:lnRef idx="2">
+            <a:schemeClr val="dk1"/>
+          </a:lnRef>
+          <a:fillRef idx="0">
+            <a:schemeClr val="dk1"/>
+          </a:fillRef>
+          <a:effectRef idx="1">
+            <a:schemeClr val="dk1"/>
+          </a:effectRef>
+          <a:fontRef idx="minor">
+            <a:schemeClr val="tx1"/>
+          </a:fontRef>
+        </p:style>
+      </p:cxnSp>
+      <p:cxnSp>
+        <p:nvCxnSpPr>
+          <p:cNvPr id="19" name="Curved Connector 18">
+            <a:extLst>
+              <a:ext uri="{FF2B5EF4-FFF2-40B4-BE49-F238E27FC236}">
+                <a16:creationId xmlns:a16="http://schemas.microsoft.com/office/drawing/2014/main" id="{382FCC7C-5F66-1E5C-7EB1-B5008AB8634E}"/>
+              </a:ext>
+            </a:extLst>
+          </p:cNvPr>
+          <p:cNvCxnSpPr>
+            <a:cxnSpLocks/>
+            <a:stCxn id="7" idx="3"/>
+            <a:endCxn id="3" idx="1"/>
+          </p:cNvCxnSpPr>
+          <p:nvPr/>
+        </p:nvCxnSpPr>
+        <p:spPr>
+          <a:xfrm>
+            <a:off x="3461269" y="4419081"/>
+            <a:ext cx="903021" cy="1822895"/>
+          </a:xfrm>
+          <a:prstGeom prst="curvedConnector3">
+            <a:avLst/>
+          </a:prstGeom>
+          <a:ln w="38100">
+            <a:tailEnd type="triangle"/>
+          </a:ln>
+        </p:spPr>
+        <p:style>
+          <a:lnRef idx="2">
+            <a:schemeClr val="dk1"/>
+          </a:lnRef>
+          <a:fillRef idx="0">
+            <a:schemeClr val="dk1"/>
+          </a:fillRef>
+          <a:effectRef idx="1">
+            <a:schemeClr val="dk1"/>
+          </a:effectRef>
+          <a:fontRef idx="minor">
+            <a:schemeClr val="tx1"/>
+          </a:fontRef>
+        </p:style>
+      </p:cxnSp>
+      <p:sp>
+        <p:nvSpPr>
+          <p:cNvPr id="44" name="Rounded Rectangle 43">
+            <a:extLst>
+              <a:ext uri="{FF2B5EF4-FFF2-40B4-BE49-F238E27FC236}">
+                <a16:creationId xmlns:a16="http://schemas.microsoft.com/office/drawing/2014/main" id="{D31606EA-23C7-E2A5-C19D-A868AD7272A9}"/>
+              </a:ext>
+            </a:extLst>
+          </p:cNvPr>
+          <p:cNvSpPr/>
+          <p:nvPr/>
+        </p:nvSpPr>
+        <p:spPr>
+          <a:xfrm>
+            <a:off x="10008967" y="3926413"/>
+            <a:ext cx="2104373" cy="991292"/>
+          </a:xfrm>
+          <a:prstGeom prst="roundRect">
+            <a:avLst/>
+          </a:prstGeom>
+          <a:solidFill>
+            <a:schemeClr val="bg1">
+              <a:lumMod val="75000"/>
+            </a:schemeClr>
+          </a:solidFill>
+          <a:ln>
+            <a:noFill/>
+          </a:ln>
+        </p:spPr>
+        <p:style>
+          <a:lnRef idx="2">
+            <a:schemeClr val="accent1">
+              <a:shade val="15000"/>
+            </a:schemeClr>
+          </a:lnRef>
+          <a:fillRef idx="1">
+            <a:schemeClr val="accent1"/>
+          </a:fillRef>
+          <a:effectRef idx="0">
+            <a:schemeClr val="accent1"/>
+          </a:effectRef>
+          <a:fontRef idx="minor">
+            <a:schemeClr val="lt1"/>
+          </a:fontRef>
+        </p:style>
+        <p:txBody>
+          <a:bodyPr rtlCol="0" anchor="ctr"/>
+          <a:lstStyle/>
+          <a:p>
+            <a:pPr algn="ctr"/>
+            <a:r>
+              <a:rPr lang="en-US" sz="4800" dirty="0">
+                <a:solidFill>
+                  <a:schemeClr val="tx1"/>
+                </a:solidFill>
+              </a:rPr>
+              <a:t>quarto</a:t>
+            </a:r>
+          </a:p>
+        </p:txBody>
+      </p:sp>
+      <p:cxnSp>
+        <p:nvCxnSpPr>
+          <p:cNvPr id="47" name="Curved Connector 46">
+            <a:extLst>
+              <a:ext uri="{FF2B5EF4-FFF2-40B4-BE49-F238E27FC236}">
+                <a16:creationId xmlns:a16="http://schemas.microsoft.com/office/drawing/2014/main" id="{7B48D216-E856-00B8-361A-E7B33564F5BE}"/>
+              </a:ext>
+            </a:extLst>
+          </p:cNvPr>
+          <p:cNvCxnSpPr>
+            <a:cxnSpLocks/>
+            <a:stCxn id="8" idx="3"/>
+            <a:endCxn id="44" idx="1"/>
+          </p:cNvCxnSpPr>
+          <p:nvPr/>
+        </p:nvCxnSpPr>
+        <p:spPr>
+          <a:xfrm flipV="1">
+            <a:off x="9391709" y="4422059"/>
+            <a:ext cx="617258" cy="1"/>
+          </a:xfrm>
+          <a:prstGeom prst="curvedConnector3">
+            <a:avLst/>
+          </a:prstGeom>
+          <a:ln w="38100">
+            <a:tailEnd type="triangle"/>
+          </a:ln>
+        </p:spPr>
+        <p:style>
+          <a:lnRef idx="2">
+            <a:schemeClr val="dk1"/>
+          </a:lnRef>
+          <a:fillRef idx="0">
+            <a:schemeClr val="dk1"/>
+          </a:fillRef>
+          <a:effectRef idx="1">
+            <a:schemeClr val="dk1"/>
+          </a:effectRef>
+          <a:fontRef idx="minor">
+            <a:schemeClr val="tx1"/>
+          </a:fontRef>
+        </p:style>
+      </p:cxnSp>
+      <p:pic>
+        <p:nvPicPr>
+          <p:cNvPr id="4" name="Picture 3" descr="A cartoon of a person wearing a hard hat&#10;&#10;Description automatically generated">
+            <a:extLst>
+              <a:ext uri="{FF2B5EF4-FFF2-40B4-BE49-F238E27FC236}">
+                <a16:creationId xmlns:a16="http://schemas.microsoft.com/office/drawing/2014/main" id="{B29519A2-BBFB-3A3B-BF30-D16938EF9AED}"/>
+              </a:ext>
+            </a:extLst>
+          </p:cNvPr>
+          <p:cNvPicPr>
+            <a:picLocks noChangeAspect="1"/>
+          </p:cNvPicPr>
+          <p:nvPr/>
+        </p:nvPicPr>
+        <p:blipFill>
+          <a:blip r:embed="rId2"/>
+          <a:stretch>
+            <a:fillRect/>
+          </a:stretch>
+        </p:blipFill>
+        <p:spPr>
+          <a:xfrm>
+            <a:off x="7757872" y="1980343"/>
+            <a:ext cx="1428746" cy="1902488"/>
+          </a:xfrm>
+          <a:prstGeom prst="rect">
+            <a:avLst/>
+          </a:prstGeom>
+        </p:spPr>
+      </p:pic>
+      <p:pic>
+        <p:nvPicPr>
+          <p:cNvPr id="5" name="Picture 4" descr="A cartoon character wearing a yellow hard hat&#10;&#10;Description automatically generated">
+            <a:extLst>
+              <a:ext uri="{FF2B5EF4-FFF2-40B4-BE49-F238E27FC236}">
+                <a16:creationId xmlns:a16="http://schemas.microsoft.com/office/drawing/2014/main" id="{A16A8A03-7B16-B517-9691-3AE0AA053967}"/>
+              </a:ext>
+            </a:extLst>
+          </p:cNvPr>
+          <p:cNvPicPr>
+            <a:picLocks noChangeAspect="1"/>
+          </p:cNvPicPr>
+          <p:nvPr/>
+        </p:nvPicPr>
+        <p:blipFill>
+          <a:blip r:embed="rId3"/>
+          <a:stretch>
+            <a:fillRect/>
+          </a:stretch>
+        </p:blipFill>
+        <p:spPr>
+          <a:xfrm>
+            <a:off x="421835" y="466133"/>
+            <a:ext cx="1428746" cy="2028660"/>
+          </a:xfrm>
+          <a:prstGeom prst="rect">
+            <a:avLst/>
+          </a:prstGeom>
+        </p:spPr>
+      </p:pic>
+      <p:sp>
+        <p:nvSpPr>
+          <p:cNvPr id="10" name="Rectangle 9">
+            <a:extLst>
+              <a:ext uri="{FF2B5EF4-FFF2-40B4-BE49-F238E27FC236}">
+                <a16:creationId xmlns:a16="http://schemas.microsoft.com/office/drawing/2014/main" id="{CB8D3409-41BB-B2DB-D5AE-F59AAFB774C4}"/>
+              </a:ext>
+            </a:extLst>
+          </p:cNvPr>
+          <p:cNvSpPr/>
+          <p:nvPr/>
+        </p:nvSpPr>
+        <p:spPr>
+          <a:xfrm>
+            <a:off x="239892" y="399548"/>
+            <a:ext cx="1770759" cy="1508379"/>
+          </a:xfrm>
+          <a:prstGeom prst="rect">
+            <a:avLst/>
+          </a:prstGeom>
+          <a:solidFill>
+            <a:schemeClr val="bg1"/>
+          </a:solidFill>
+          <a:ln>
+            <a:noFill/>
+          </a:ln>
+        </p:spPr>
+        <p:style>
+          <a:lnRef idx="2">
+            <a:schemeClr val="accent1">
+              <a:shade val="15000"/>
+            </a:schemeClr>
+          </a:lnRef>
+          <a:fillRef idx="1">
+            <a:schemeClr val="accent1"/>
+          </a:fillRef>
+          <a:effectRef idx="0">
+            <a:schemeClr val="accent1"/>
+          </a:effectRef>
+          <a:fontRef idx="minor">
+            <a:schemeClr val="lt1"/>
+          </a:fontRef>
+        </p:style>
+        <p:txBody>
+          <a:bodyPr rtlCol="0" anchor="ctr"/>
+          <a:lstStyle/>
+          <a:p>
+            <a:pPr algn="ctr"/>
+            <a:endParaRPr lang="en-US"/>
+          </a:p>
+        </p:txBody>
+      </p:sp>
+      <p:sp>
+        <p:nvSpPr>
+          <p:cNvPr id="9" name="TextBox 8">
+            <a:extLst>
+              <a:ext uri="{FF2B5EF4-FFF2-40B4-BE49-F238E27FC236}">
+                <a16:creationId xmlns:a16="http://schemas.microsoft.com/office/drawing/2014/main" id="{C3631129-AE85-99A0-1C3B-A63826DB1A06}"/>
+              </a:ext>
+            </a:extLst>
+          </p:cNvPr>
+          <p:cNvSpPr txBox="1"/>
+          <p:nvPr/>
+        </p:nvSpPr>
+        <p:spPr>
+          <a:xfrm>
+            <a:off x="404287" y="812939"/>
+            <a:ext cx="1770759" cy="1631216"/>
+          </a:xfrm>
+          <a:prstGeom prst="rect">
+            <a:avLst/>
+          </a:prstGeom>
+          <a:noFill/>
+        </p:spPr>
+        <p:txBody>
+          <a:bodyPr wrap="square">
+            <a:spAutoFit/>
+          </a:bodyPr>
+          <a:lstStyle/>
+          <a:p>
+            <a:r>
+              <a:rPr lang="en-US" sz="10000" dirty="0"/>
+              <a:t>😴</a:t>
+            </a:r>
+          </a:p>
+        </p:txBody>
+      </p:sp>
+    </p:spTree>
+    <p:extLst>
+      <p:ext uri="{BB962C8B-B14F-4D97-AF65-F5344CB8AC3E}">
+        <p14:creationId xmlns:p14="http://schemas.microsoft.com/office/powerpoint/2010/main" val="2767249622"/>
+      </p:ext>
+    </p:extLst>
+  </p:cSld>
+  <p:clrMapOvr>
+    <a:masterClrMapping/>
+  </p:clrMapOvr>
+</p:sld>
+</file>
+
+<file path=ppt/slides/slide14.xml><?xml version="1.0" encoding="utf-8"?>
+<p:sld xmlns:a="http://schemas.openxmlformats.org/drawingml/2006/main" xmlns:r="http://schemas.openxmlformats.org/officeDocument/2006/relationships" xmlns:p="http://schemas.openxmlformats.org/presentationml/2006/main">
+  <p:cSld>
+    <p:spTree>
+      <p:nvGrpSpPr>
+        <p:cNvPr id="1" name="">
+          <a:extLst>
+            <a:ext uri="{FF2B5EF4-FFF2-40B4-BE49-F238E27FC236}">
+              <a16:creationId xmlns:a16="http://schemas.microsoft.com/office/drawing/2014/main" id="{EFBA687F-E289-6022-6721-0AC80C4E263C}"/>
+            </a:ext>
+          </a:extLst>
+        </p:cNvPr>
+        <p:cNvGrpSpPr/>
+        <p:nvPr/>
+      </p:nvGrpSpPr>
+      <p:grpSpPr>
+        <a:xfrm>
+          <a:off x="0" y="0"/>
+          <a:ext cx="0" cy="0"/>
+          <a:chOff x="0" y="0"/>
+          <a:chExt cx="0" cy="0"/>
+        </a:xfrm>
+      </p:grpSpPr>
+      <p:sp>
+        <p:nvSpPr>
+          <p:cNvPr id="2" name="Rounded Rectangle 1">
+            <a:extLst>
+              <a:ext uri="{FF2B5EF4-FFF2-40B4-BE49-F238E27FC236}">
+                <a16:creationId xmlns:a16="http://schemas.microsoft.com/office/drawing/2014/main" id="{B17E3222-35F7-38AF-2723-3A69A9FD4CB4}"/>
+              </a:ext>
+            </a:extLst>
+          </p:cNvPr>
+          <p:cNvSpPr/>
+          <p:nvPr/>
+        </p:nvSpPr>
+        <p:spPr>
+          <a:xfrm>
+            <a:off x="4364290" y="2596186"/>
+            <a:ext cx="2411164" cy="991293"/>
+          </a:xfrm>
+          <a:prstGeom prst="roundRect">
+            <a:avLst/>
+          </a:prstGeom>
+          <a:solidFill>
+            <a:srgbClr val="354823"/>
+          </a:solidFill>
+          <a:ln>
+            <a:noFill/>
+          </a:ln>
+        </p:spPr>
+        <p:style>
+          <a:lnRef idx="2">
+            <a:schemeClr val="accent1">
+              <a:shade val="15000"/>
+            </a:schemeClr>
+          </a:lnRef>
+          <a:fillRef idx="1">
+            <a:schemeClr val="accent1"/>
+          </a:fillRef>
+          <a:effectRef idx="0">
+            <a:schemeClr val="accent1"/>
+          </a:effectRef>
+          <a:fontRef idx="minor">
+            <a:schemeClr val="lt1"/>
+          </a:fontRef>
+        </p:style>
+        <p:txBody>
+          <a:bodyPr rtlCol="0" anchor="ctr"/>
+          <a:lstStyle/>
+          <a:p>
+            <a:pPr algn="ctr"/>
+            <a:r>
+              <a:rPr lang="en-US" sz="4800" dirty="0">
+                <a:solidFill>
+                  <a:schemeClr val="bg1"/>
+                </a:solidFill>
+              </a:rPr>
+              <a:t>trials_1</a:t>
+            </a:r>
+          </a:p>
+        </p:txBody>
+      </p:sp>
+      <p:sp>
+        <p:nvSpPr>
+          <p:cNvPr id="3" name="Rounded Rectangle 2">
+            <a:extLst>
+              <a:ext uri="{FF2B5EF4-FFF2-40B4-BE49-F238E27FC236}">
+                <a16:creationId xmlns:a16="http://schemas.microsoft.com/office/drawing/2014/main" id="{76044C93-3A46-7CD3-914A-AB34A19A073E}"/>
+              </a:ext>
+            </a:extLst>
+          </p:cNvPr>
+          <p:cNvSpPr/>
+          <p:nvPr/>
+        </p:nvSpPr>
+        <p:spPr>
+          <a:xfrm>
+            <a:off x="4364290" y="5746329"/>
+            <a:ext cx="2411164" cy="991293"/>
+          </a:xfrm>
+          <a:prstGeom prst="roundRect">
+            <a:avLst/>
+          </a:prstGeom>
+          <a:solidFill>
+            <a:srgbClr val="354823"/>
+          </a:solidFill>
+          <a:ln>
+            <a:noFill/>
+          </a:ln>
+        </p:spPr>
+        <p:style>
+          <a:lnRef idx="2">
+            <a:schemeClr val="accent1">
+              <a:shade val="15000"/>
+            </a:schemeClr>
+          </a:lnRef>
+          <a:fillRef idx="1">
+            <a:schemeClr val="accent1"/>
+          </a:fillRef>
+          <a:effectRef idx="0">
+            <a:schemeClr val="accent1"/>
+          </a:effectRef>
+          <a:fontRef idx="minor">
+            <a:schemeClr val="lt1"/>
+          </a:fontRef>
+        </p:style>
+        <p:txBody>
+          <a:bodyPr rtlCol="0" anchor="ctr"/>
+          <a:lstStyle/>
+          <a:p>
+            <a:pPr algn="ctr"/>
+            <a:r>
+              <a:rPr lang="en-US" sz="4800" dirty="0">
+                <a:solidFill>
+                  <a:schemeClr val="bg1"/>
+                </a:solidFill>
+              </a:rPr>
+              <a:t>trials_2</a:t>
+            </a:r>
+          </a:p>
+        </p:txBody>
+      </p:sp>
+      <p:sp>
+        <p:nvSpPr>
+          <p:cNvPr id="7" name="Rounded Rectangle 6">
+            <a:extLst>
+              <a:ext uri="{FF2B5EF4-FFF2-40B4-BE49-F238E27FC236}">
+                <a16:creationId xmlns:a16="http://schemas.microsoft.com/office/drawing/2014/main" id="{F48778DB-ECC4-BD32-03E8-4E1384402C65}"/>
+              </a:ext>
+            </a:extLst>
+          </p:cNvPr>
+          <p:cNvSpPr/>
+          <p:nvPr/>
+        </p:nvSpPr>
+        <p:spPr>
+          <a:xfrm>
+            <a:off x="239893" y="3926413"/>
+            <a:ext cx="3221376" cy="985336"/>
+          </a:xfrm>
+          <a:prstGeom prst="roundRect">
+            <a:avLst/>
+          </a:prstGeom>
+          <a:solidFill>
+            <a:srgbClr val="354823"/>
+          </a:solidFill>
+          <a:ln>
+            <a:noFill/>
+          </a:ln>
+        </p:spPr>
+        <p:style>
+          <a:lnRef idx="2">
+            <a:schemeClr val="accent1">
+              <a:shade val="15000"/>
+            </a:schemeClr>
+          </a:lnRef>
+          <a:fillRef idx="1">
+            <a:schemeClr val="accent1"/>
+          </a:fillRef>
+          <a:effectRef idx="0">
+            <a:schemeClr val="accent1"/>
+          </a:effectRef>
+          <a:fontRef idx="minor">
+            <a:schemeClr val="lt1"/>
+          </a:fontRef>
+        </p:style>
+        <p:txBody>
+          <a:bodyPr rtlCol="0" anchor="ctr"/>
+          <a:lstStyle/>
+          <a:p>
+            <a:pPr algn="ctr"/>
+            <a:r>
+              <a:rPr lang="en-US" sz="4000" dirty="0">
+                <a:solidFill>
+                  <a:schemeClr val="bg1"/>
+                </a:solidFill>
+              </a:rPr>
+              <a:t>hazard_ratios</a:t>
+            </a:r>
+          </a:p>
+        </p:txBody>
+      </p:sp>
+      <p:sp>
+        <p:nvSpPr>
+          <p:cNvPr id="8" name="Rounded Rectangle 7">
+            <a:extLst>
+              <a:ext uri="{FF2B5EF4-FFF2-40B4-BE49-F238E27FC236}">
+                <a16:creationId xmlns:a16="http://schemas.microsoft.com/office/drawing/2014/main" id="{EE9DAA6B-8014-8B43-69B9-250D0A918A97}"/>
+              </a:ext>
+            </a:extLst>
+          </p:cNvPr>
+          <p:cNvSpPr/>
+          <p:nvPr/>
+        </p:nvSpPr>
+        <p:spPr>
+          <a:xfrm>
+            <a:off x="7585666" y="3926413"/>
+            <a:ext cx="1806043" cy="991293"/>
+          </a:xfrm>
+          <a:prstGeom prst="roundRect">
+            <a:avLst/>
+          </a:prstGeom>
+          <a:solidFill>
+            <a:srgbClr val="354823"/>
+          </a:solidFill>
+          <a:ln>
+            <a:noFill/>
+          </a:ln>
+        </p:spPr>
+        <p:style>
+          <a:lnRef idx="2">
+            <a:schemeClr val="accent1">
+              <a:shade val="15000"/>
+            </a:schemeClr>
+          </a:lnRef>
+          <a:fillRef idx="1">
+            <a:schemeClr val="accent1"/>
+          </a:fillRef>
+          <a:effectRef idx="0">
+            <a:schemeClr val="accent1"/>
+          </a:effectRef>
+          <a:fontRef idx="minor">
+            <a:schemeClr val="lt1"/>
+          </a:fontRef>
+        </p:style>
+        <p:txBody>
+          <a:bodyPr rtlCol="0" anchor="ctr"/>
+          <a:lstStyle/>
+          <a:p>
+            <a:pPr algn="ctr"/>
+            <a:r>
+              <a:rPr lang="en-US" sz="4800" dirty="0">
+                <a:solidFill>
+                  <a:schemeClr val="bg1"/>
+                </a:solidFill>
+              </a:rPr>
+              <a:t>plot</a:t>
+            </a:r>
+          </a:p>
+        </p:txBody>
+      </p:sp>
+      <p:cxnSp>
+        <p:nvCxnSpPr>
+          <p:cNvPr id="21" name="Curved Connector 20">
+            <a:extLst>
+              <a:ext uri="{FF2B5EF4-FFF2-40B4-BE49-F238E27FC236}">
+                <a16:creationId xmlns:a16="http://schemas.microsoft.com/office/drawing/2014/main" id="{F008DF98-8E09-24BB-0E35-BCC33DBF7BFF}"/>
+              </a:ext>
+            </a:extLst>
+          </p:cNvPr>
+          <p:cNvCxnSpPr>
+            <a:cxnSpLocks/>
+            <a:stCxn id="7" idx="3"/>
+            <a:endCxn id="2" idx="1"/>
+          </p:cNvCxnSpPr>
+          <p:nvPr/>
+        </p:nvCxnSpPr>
+        <p:spPr>
+          <a:xfrm flipV="1">
+            <a:off x="3461269" y="3091833"/>
+            <a:ext cx="903021" cy="1327248"/>
+          </a:xfrm>
+          <a:prstGeom prst="curvedConnector3">
+            <a:avLst/>
+          </a:prstGeom>
+          <a:ln w="38100">
+            <a:tailEnd type="triangle"/>
+          </a:ln>
+        </p:spPr>
+        <p:style>
+          <a:lnRef idx="2">
+            <a:schemeClr val="dk1"/>
+          </a:lnRef>
+          <a:fillRef idx="0">
+            <a:schemeClr val="dk1"/>
+          </a:fillRef>
+          <a:effectRef idx="1">
+            <a:schemeClr val="dk1"/>
+          </a:effectRef>
+          <a:fontRef idx="minor">
+            <a:schemeClr val="tx1"/>
+          </a:fontRef>
+        </p:style>
+      </p:cxnSp>
+      <p:cxnSp>
+        <p:nvCxnSpPr>
+          <p:cNvPr id="28" name="Curved Connector 27">
+            <a:extLst>
+              <a:ext uri="{FF2B5EF4-FFF2-40B4-BE49-F238E27FC236}">
+                <a16:creationId xmlns:a16="http://schemas.microsoft.com/office/drawing/2014/main" id="{1C0637EA-EE32-168D-B12E-2A7E96385705}"/>
+              </a:ext>
+            </a:extLst>
+          </p:cNvPr>
+          <p:cNvCxnSpPr>
+            <a:cxnSpLocks/>
+            <a:stCxn id="2" idx="3"/>
+            <a:endCxn id="8" idx="1"/>
+          </p:cNvCxnSpPr>
+          <p:nvPr/>
+        </p:nvCxnSpPr>
+        <p:spPr>
+          <a:xfrm>
+            <a:off x="6775454" y="3091833"/>
+            <a:ext cx="810212" cy="1330227"/>
+          </a:xfrm>
+          <a:prstGeom prst="curvedConnector3">
+            <a:avLst/>
+          </a:prstGeom>
+          <a:ln w="38100">
+            <a:tailEnd type="triangle"/>
+          </a:ln>
+        </p:spPr>
+        <p:style>
+          <a:lnRef idx="2">
+            <a:schemeClr val="dk1"/>
+          </a:lnRef>
+          <a:fillRef idx="0">
+            <a:schemeClr val="dk1"/>
+          </a:fillRef>
+          <a:effectRef idx="1">
+            <a:schemeClr val="dk1"/>
+          </a:effectRef>
+          <a:fontRef idx="minor">
+            <a:schemeClr val="tx1"/>
+          </a:fontRef>
+        </p:style>
+      </p:cxnSp>
+      <p:cxnSp>
+        <p:nvCxnSpPr>
+          <p:cNvPr id="31" name="Curved Connector 30">
+            <a:extLst>
+              <a:ext uri="{FF2B5EF4-FFF2-40B4-BE49-F238E27FC236}">
+                <a16:creationId xmlns:a16="http://schemas.microsoft.com/office/drawing/2014/main" id="{9321C9F6-0A78-A63A-D91B-DE43F4A46505}"/>
+              </a:ext>
+            </a:extLst>
+          </p:cNvPr>
+          <p:cNvCxnSpPr>
+            <a:cxnSpLocks/>
+            <a:stCxn id="3" idx="3"/>
+            <a:endCxn id="8" idx="1"/>
+          </p:cNvCxnSpPr>
+          <p:nvPr/>
+        </p:nvCxnSpPr>
+        <p:spPr>
+          <a:xfrm flipV="1">
+            <a:off x="6775454" y="4422060"/>
+            <a:ext cx="810212" cy="1819916"/>
+          </a:xfrm>
+          <a:prstGeom prst="curvedConnector3">
+            <a:avLst/>
+          </a:prstGeom>
+          <a:ln w="38100">
+            <a:tailEnd type="triangle"/>
+          </a:ln>
+        </p:spPr>
+        <p:style>
+          <a:lnRef idx="2">
+            <a:schemeClr val="dk1"/>
+          </a:lnRef>
+          <a:fillRef idx="0">
+            <a:schemeClr val="dk1"/>
+          </a:fillRef>
+          <a:effectRef idx="1">
+            <a:schemeClr val="dk1"/>
+          </a:effectRef>
+          <a:fontRef idx="minor">
+            <a:schemeClr val="tx1"/>
+          </a:fontRef>
+        </p:style>
+      </p:cxnSp>
+      <p:cxnSp>
+        <p:nvCxnSpPr>
+          <p:cNvPr id="19" name="Curved Connector 18">
+            <a:extLst>
+              <a:ext uri="{FF2B5EF4-FFF2-40B4-BE49-F238E27FC236}">
+                <a16:creationId xmlns:a16="http://schemas.microsoft.com/office/drawing/2014/main" id="{D5AACD08-D260-C579-4EB5-B948DE25CD85}"/>
+              </a:ext>
+            </a:extLst>
+          </p:cNvPr>
+          <p:cNvCxnSpPr>
+            <a:cxnSpLocks/>
+            <a:stCxn id="7" idx="3"/>
+            <a:endCxn id="3" idx="1"/>
+          </p:cNvCxnSpPr>
+          <p:nvPr/>
+        </p:nvCxnSpPr>
+        <p:spPr>
+          <a:xfrm>
+            <a:off x="3461269" y="4419081"/>
+            <a:ext cx="903021" cy="1822895"/>
+          </a:xfrm>
+          <a:prstGeom prst="curvedConnector3">
+            <a:avLst/>
+          </a:prstGeom>
+          <a:ln w="38100">
+            <a:tailEnd type="triangle"/>
+          </a:ln>
+        </p:spPr>
+        <p:style>
+          <a:lnRef idx="2">
+            <a:schemeClr val="dk1"/>
+          </a:lnRef>
+          <a:fillRef idx="0">
+            <a:schemeClr val="dk1"/>
+          </a:fillRef>
+          <a:effectRef idx="1">
+            <a:schemeClr val="dk1"/>
+          </a:effectRef>
+          <a:fontRef idx="minor">
+            <a:schemeClr val="tx1"/>
+          </a:fontRef>
+        </p:style>
+      </p:cxnSp>
+      <p:sp>
+        <p:nvSpPr>
+          <p:cNvPr id="44" name="Rounded Rectangle 43">
+            <a:extLst>
+              <a:ext uri="{FF2B5EF4-FFF2-40B4-BE49-F238E27FC236}">
+                <a16:creationId xmlns:a16="http://schemas.microsoft.com/office/drawing/2014/main" id="{6206CE9F-4F88-108B-CA6A-3FC4C0F67203}"/>
+              </a:ext>
+            </a:extLst>
+          </p:cNvPr>
+          <p:cNvSpPr/>
+          <p:nvPr/>
+        </p:nvSpPr>
+        <p:spPr>
+          <a:xfrm>
+            <a:off x="10008967" y="3926413"/>
+            <a:ext cx="2104373" cy="991292"/>
+          </a:xfrm>
+          <a:prstGeom prst="roundRect">
+            <a:avLst/>
+          </a:prstGeom>
+          <a:solidFill>
+            <a:srgbClr val="FFC000"/>
+          </a:solidFill>
+          <a:ln>
+            <a:noFill/>
+          </a:ln>
+        </p:spPr>
+        <p:style>
+          <a:lnRef idx="2">
+            <a:schemeClr val="accent1">
+              <a:shade val="15000"/>
+            </a:schemeClr>
+          </a:lnRef>
+          <a:fillRef idx="1">
+            <a:schemeClr val="accent1"/>
+          </a:fillRef>
+          <a:effectRef idx="0">
+            <a:schemeClr val="accent1"/>
+          </a:effectRef>
+          <a:fontRef idx="minor">
+            <a:schemeClr val="lt1"/>
+          </a:fontRef>
+        </p:style>
+        <p:txBody>
+          <a:bodyPr rtlCol="0" anchor="ctr"/>
+          <a:lstStyle/>
+          <a:p>
+            <a:pPr algn="ctr"/>
+            <a:r>
+              <a:rPr lang="en-US" sz="4800" dirty="0">
+                <a:solidFill>
+                  <a:schemeClr val="tx1"/>
+                </a:solidFill>
+              </a:rPr>
+              <a:t>quarto</a:t>
+            </a:r>
+          </a:p>
+        </p:txBody>
+      </p:sp>
+      <p:cxnSp>
+        <p:nvCxnSpPr>
+          <p:cNvPr id="47" name="Curved Connector 46">
+            <a:extLst>
+              <a:ext uri="{FF2B5EF4-FFF2-40B4-BE49-F238E27FC236}">
+                <a16:creationId xmlns:a16="http://schemas.microsoft.com/office/drawing/2014/main" id="{F73B612B-C311-9AB1-C1FA-1082026851BB}"/>
+              </a:ext>
+            </a:extLst>
+          </p:cNvPr>
+          <p:cNvCxnSpPr>
+            <a:cxnSpLocks/>
+            <a:stCxn id="8" idx="3"/>
+            <a:endCxn id="44" idx="1"/>
+          </p:cNvCxnSpPr>
+          <p:nvPr/>
+        </p:nvCxnSpPr>
+        <p:spPr>
+          <a:xfrm flipV="1">
+            <a:off x="9391709" y="4422059"/>
+            <a:ext cx="617258" cy="1"/>
+          </a:xfrm>
+          <a:prstGeom prst="curvedConnector3">
+            <a:avLst/>
+          </a:prstGeom>
+          <a:ln w="38100">
+            <a:tailEnd type="triangle"/>
+          </a:ln>
+        </p:spPr>
+        <p:style>
+          <a:lnRef idx="2">
+            <a:schemeClr val="dk1"/>
+          </a:lnRef>
+          <a:fillRef idx="0">
+            <a:schemeClr val="dk1"/>
+          </a:fillRef>
+          <a:effectRef idx="1">
+            <a:schemeClr val="dk1"/>
+          </a:effectRef>
+          <a:fontRef idx="minor">
+            <a:schemeClr val="tx1"/>
+          </a:fontRef>
+        </p:style>
+      </p:cxnSp>
+      <p:pic>
+        <p:nvPicPr>
+          <p:cNvPr id="4" name="Picture 3" descr="A cartoon of a person wearing a hard hat&#10;&#10;Description automatically generated">
+            <a:extLst>
+              <a:ext uri="{FF2B5EF4-FFF2-40B4-BE49-F238E27FC236}">
+                <a16:creationId xmlns:a16="http://schemas.microsoft.com/office/drawing/2014/main" id="{B1C34E6E-B1CC-E322-0464-0F1CF3140DAC}"/>
+              </a:ext>
+            </a:extLst>
+          </p:cNvPr>
+          <p:cNvPicPr>
+            <a:picLocks noChangeAspect="1"/>
+          </p:cNvPicPr>
+          <p:nvPr/>
+        </p:nvPicPr>
+        <p:blipFill>
+          <a:blip r:embed="rId2"/>
+          <a:stretch>
+            <a:fillRect/>
+          </a:stretch>
+        </p:blipFill>
+        <p:spPr>
+          <a:xfrm>
+            <a:off x="10341419" y="1980343"/>
+            <a:ext cx="1428746" cy="1902488"/>
+          </a:xfrm>
+          <a:prstGeom prst="rect">
+            <a:avLst/>
+          </a:prstGeom>
+        </p:spPr>
+      </p:pic>
+      <p:pic>
+        <p:nvPicPr>
+          <p:cNvPr id="5" name="Picture 4" descr="A cartoon character wearing a yellow hard hat&#10;&#10;Description automatically generated">
+            <a:extLst>
+              <a:ext uri="{FF2B5EF4-FFF2-40B4-BE49-F238E27FC236}">
+                <a16:creationId xmlns:a16="http://schemas.microsoft.com/office/drawing/2014/main" id="{337AF511-2E90-70A7-46BC-F59CEA117889}"/>
+              </a:ext>
+            </a:extLst>
+          </p:cNvPr>
+          <p:cNvPicPr>
+            <a:picLocks noChangeAspect="1"/>
+          </p:cNvPicPr>
+          <p:nvPr/>
+        </p:nvPicPr>
+        <p:blipFill>
+          <a:blip r:embed="rId3"/>
+          <a:stretch>
+            <a:fillRect/>
+          </a:stretch>
+        </p:blipFill>
+        <p:spPr>
+          <a:xfrm>
+            <a:off x="421835" y="466133"/>
+            <a:ext cx="1428746" cy="2028660"/>
+          </a:xfrm>
+          <a:prstGeom prst="rect">
+            <a:avLst/>
+          </a:prstGeom>
+        </p:spPr>
+      </p:pic>
+      <p:sp>
+        <p:nvSpPr>
+          <p:cNvPr id="10" name="Rectangle 9">
+            <a:extLst>
+              <a:ext uri="{FF2B5EF4-FFF2-40B4-BE49-F238E27FC236}">
+                <a16:creationId xmlns:a16="http://schemas.microsoft.com/office/drawing/2014/main" id="{BBBD2E4E-7012-B8B9-C754-D1E0B0226BA0}"/>
+              </a:ext>
+            </a:extLst>
+          </p:cNvPr>
+          <p:cNvSpPr/>
+          <p:nvPr/>
+        </p:nvSpPr>
+        <p:spPr>
+          <a:xfrm>
+            <a:off x="239892" y="399548"/>
+            <a:ext cx="1770759" cy="1508379"/>
+          </a:xfrm>
+          <a:prstGeom prst="rect">
+            <a:avLst/>
+          </a:prstGeom>
+          <a:solidFill>
+            <a:schemeClr val="bg1"/>
+          </a:solidFill>
+          <a:ln>
+            <a:noFill/>
+          </a:ln>
+        </p:spPr>
+        <p:style>
+          <a:lnRef idx="2">
+            <a:schemeClr val="accent1">
+              <a:shade val="15000"/>
+            </a:schemeClr>
+          </a:lnRef>
+          <a:fillRef idx="1">
+            <a:schemeClr val="accent1"/>
+          </a:fillRef>
+          <a:effectRef idx="0">
+            <a:schemeClr val="accent1"/>
+          </a:effectRef>
+          <a:fontRef idx="minor">
+            <a:schemeClr val="lt1"/>
+          </a:fontRef>
+        </p:style>
+        <p:txBody>
+          <a:bodyPr rtlCol="0" anchor="ctr"/>
+          <a:lstStyle/>
+          <a:p>
+            <a:pPr algn="ctr"/>
+            <a:endParaRPr lang="en-US"/>
+          </a:p>
+        </p:txBody>
+      </p:sp>
+      <p:sp>
+        <p:nvSpPr>
+          <p:cNvPr id="9" name="TextBox 8">
+            <a:extLst>
+              <a:ext uri="{FF2B5EF4-FFF2-40B4-BE49-F238E27FC236}">
+                <a16:creationId xmlns:a16="http://schemas.microsoft.com/office/drawing/2014/main" id="{A7A72C87-4650-04CC-DD02-75F70102FAAB}"/>
+              </a:ext>
+            </a:extLst>
+          </p:cNvPr>
+          <p:cNvSpPr txBox="1"/>
+          <p:nvPr/>
+        </p:nvSpPr>
+        <p:spPr>
+          <a:xfrm>
+            <a:off x="404287" y="812939"/>
+            <a:ext cx="1770759" cy="1631216"/>
+          </a:xfrm>
+          <a:prstGeom prst="rect">
+            <a:avLst/>
+          </a:prstGeom>
+          <a:noFill/>
+        </p:spPr>
+        <p:txBody>
+          <a:bodyPr wrap="square">
+            <a:spAutoFit/>
+          </a:bodyPr>
+          <a:lstStyle/>
+          <a:p>
+            <a:r>
+              <a:rPr lang="en-US" sz="10000" dirty="0"/>
+              <a:t>😴</a:t>
+            </a:r>
+          </a:p>
+        </p:txBody>
+      </p:sp>
+      <p:sp>
+        <p:nvSpPr>
+          <p:cNvPr id="6" name="Multiply 5">
+            <a:extLst>
+              <a:ext uri="{FF2B5EF4-FFF2-40B4-BE49-F238E27FC236}">
+                <a16:creationId xmlns:a16="http://schemas.microsoft.com/office/drawing/2014/main" id="{6C92B516-9DCA-4BA4-D889-43E7301AE3E6}"/>
+              </a:ext>
+            </a:extLst>
+          </p:cNvPr>
+          <p:cNvSpPr/>
+          <p:nvPr/>
+        </p:nvSpPr>
+        <p:spPr>
+          <a:xfrm>
+            <a:off x="-506884" y="-120549"/>
+            <a:ext cx="3429000" cy="3429000"/>
+          </a:xfrm>
+          <a:prstGeom prst="mathMultiply">
+            <a:avLst/>
+          </a:prstGeom>
+          <a:solidFill>
+            <a:srgbClr val="C00000"/>
+          </a:solidFill>
+          <a:ln>
+            <a:noFill/>
+          </a:ln>
+        </p:spPr>
+        <p:style>
+          <a:lnRef idx="2">
+            <a:schemeClr val="accent1">
+              <a:shade val="15000"/>
+            </a:schemeClr>
+          </a:lnRef>
+          <a:fillRef idx="1">
+            <a:schemeClr val="accent1"/>
+          </a:fillRef>
+          <a:effectRef idx="0">
+            <a:schemeClr val="accent1"/>
+          </a:effectRef>
+          <a:fontRef idx="minor">
+            <a:schemeClr val="lt1"/>
+          </a:fontRef>
+        </p:style>
+        <p:txBody>
+          <a:bodyPr rtlCol="0" anchor="ctr"/>
+          <a:lstStyle/>
+          <a:p>
+            <a:pPr algn="ctr"/>
+            <a:endParaRPr lang="en-US"/>
+          </a:p>
+        </p:txBody>
+      </p:sp>
+    </p:spTree>
+    <p:extLst>
+      <p:ext uri="{BB962C8B-B14F-4D97-AF65-F5344CB8AC3E}">
+        <p14:creationId xmlns:p14="http://schemas.microsoft.com/office/powerpoint/2010/main" val="1128459866"/>
+      </p:ext>
+    </p:extLst>
+  </p:cSld>
+  <p:clrMapOvr>
+    <a:masterClrMapping/>
+  </p:clrMapOvr>
+</p:sld>
+</file>
+
+<file path=ppt/slides/slide15.xml><?xml version="1.0" encoding="utf-8"?>
+<p:sld xmlns:a="http://schemas.openxmlformats.org/drawingml/2006/main" xmlns:r="http://schemas.openxmlformats.org/officeDocument/2006/relationships" xmlns:p="http://schemas.openxmlformats.org/presentationml/2006/main">
+  <p:cSld>
+    <p:spTree>
+      <p:nvGrpSpPr>
+        <p:cNvPr id="1" name="">
+          <a:extLst>
+            <a:ext uri="{FF2B5EF4-FFF2-40B4-BE49-F238E27FC236}">
+              <a16:creationId xmlns:a16="http://schemas.microsoft.com/office/drawing/2014/main" id="{180AE16A-8BE2-C1EE-BA9E-49308DB54AAC}"/>
+            </a:ext>
+          </a:extLst>
+        </p:cNvPr>
+        <p:cNvGrpSpPr/>
+        <p:nvPr/>
+      </p:nvGrpSpPr>
+      <p:grpSpPr>
+        <a:xfrm>
+          <a:off x="0" y="0"/>
+          <a:ext cx="0" cy="0"/>
+          <a:chOff x="0" y="0"/>
+          <a:chExt cx="0" cy="0"/>
+        </a:xfrm>
+      </p:grpSpPr>
+      <p:sp>
+        <p:nvSpPr>
+          <p:cNvPr id="2" name="Rounded Rectangle 1">
+            <a:extLst>
+              <a:ext uri="{FF2B5EF4-FFF2-40B4-BE49-F238E27FC236}">
+                <a16:creationId xmlns:a16="http://schemas.microsoft.com/office/drawing/2014/main" id="{F2E1D3DC-8192-F2A5-A6D5-8A29E6D5A874}"/>
+              </a:ext>
+            </a:extLst>
+          </p:cNvPr>
+          <p:cNvSpPr/>
+          <p:nvPr/>
+        </p:nvSpPr>
+        <p:spPr>
+          <a:xfrm>
+            <a:off x="4364290" y="2596186"/>
+            <a:ext cx="2411164" cy="991293"/>
+          </a:xfrm>
+          <a:prstGeom prst="roundRect">
+            <a:avLst/>
+          </a:prstGeom>
+          <a:solidFill>
+            <a:srgbClr val="354823"/>
+          </a:solidFill>
+          <a:ln>
+            <a:noFill/>
+          </a:ln>
+        </p:spPr>
+        <p:style>
+          <a:lnRef idx="2">
+            <a:schemeClr val="accent1">
+              <a:shade val="15000"/>
+            </a:schemeClr>
+          </a:lnRef>
+          <a:fillRef idx="1">
+            <a:schemeClr val="accent1"/>
+          </a:fillRef>
+          <a:effectRef idx="0">
+            <a:schemeClr val="accent1"/>
+          </a:effectRef>
+          <a:fontRef idx="minor">
+            <a:schemeClr val="lt1"/>
+          </a:fontRef>
+        </p:style>
+        <p:txBody>
+          <a:bodyPr rtlCol="0" anchor="ctr"/>
+          <a:lstStyle/>
+          <a:p>
+            <a:pPr algn="ctr"/>
+            <a:r>
+              <a:rPr lang="en-US" sz="4800" dirty="0">
+                <a:solidFill>
+                  <a:schemeClr val="bg1"/>
+                </a:solidFill>
+              </a:rPr>
+              <a:t>trials_1</a:t>
+            </a:r>
+          </a:p>
+        </p:txBody>
+      </p:sp>
+      <p:sp>
+        <p:nvSpPr>
+          <p:cNvPr id="3" name="Rounded Rectangle 2">
+            <a:extLst>
+              <a:ext uri="{FF2B5EF4-FFF2-40B4-BE49-F238E27FC236}">
+                <a16:creationId xmlns:a16="http://schemas.microsoft.com/office/drawing/2014/main" id="{19B4416F-6DB5-87F5-6629-B80662AE032F}"/>
+              </a:ext>
+            </a:extLst>
+          </p:cNvPr>
+          <p:cNvSpPr/>
+          <p:nvPr/>
+        </p:nvSpPr>
+        <p:spPr>
+          <a:xfrm>
+            <a:off x="4364290" y="5746329"/>
+            <a:ext cx="2411164" cy="991293"/>
+          </a:xfrm>
+          <a:prstGeom prst="roundRect">
+            <a:avLst/>
+          </a:prstGeom>
+          <a:solidFill>
+            <a:srgbClr val="354823"/>
+          </a:solidFill>
+          <a:ln>
+            <a:noFill/>
+          </a:ln>
+        </p:spPr>
+        <p:style>
+          <a:lnRef idx="2">
+            <a:schemeClr val="accent1">
+              <a:shade val="15000"/>
+            </a:schemeClr>
+          </a:lnRef>
+          <a:fillRef idx="1">
+            <a:schemeClr val="accent1"/>
+          </a:fillRef>
+          <a:effectRef idx="0">
+            <a:schemeClr val="accent1"/>
+          </a:effectRef>
+          <a:fontRef idx="minor">
+            <a:schemeClr val="lt1"/>
+          </a:fontRef>
+        </p:style>
+        <p:txBody>
+          <a:bodyPr rtlCol="0" anchor="ctr"/>
+          <a:lstStyle/>
+          <a:p>
+            <a:pPr algn="ctr"/>
+            <a:r>
+              <a:rPr lang="en-US" sz="4800" dirty="0">
+                <a:solidFill>
+                  <a:schemeClr val="bg1"/>
+                </a:solidFill>
+              </a:rPr>
+              <a:t>trials_2</a:t>
+            </a:r>
+          </a:p>
+        </p:txBody>
+      </p:sp>
+      <p:sp>
+        <p:nvSpPr>
+          <p:cNvPr id="7" name="Rounded Rectangle 6">
+            <a:extLst>
+              <a:ext uri="{FF2B5EF4-FFF2-40B4-BE49-F238E27FC236}">
+                <a16:creationId xmlns:a16="http://schemas.microsoft.com/office/drawing/2014/main" id="{A50FCA3D-D372-F5EE-232E-2D431FE8A986}"/>
+              </a:ext>
+            </a:extLst>
+          </p:cNvPr>
+          <p:cNvSpPr/>
+          <p:nvPr/>
+        </p:nvSpPr>
+        <p:spPr>
+          <a:xfrm>
+            <a:off x="239893" y="3926413"/>
+            <a:ext cx="3221376" cy="985336"/>
+          </a:xfrm>
+          <a:prstGeom prst="roundRect">
+            <a:avLst/>
+          </a:prstGeom>
+          <a:solidFill>
+            <a:srgbClr val="354823"/>
+          </a:solidFill>
+          <a:ln>
+            <a:noFill/>
+          </a:ln>
+        </p:spPr>
+        <p:style>
+          <a:lnRef idx="2">
+            <a:schemeClr val="accent1">
+              <a:shade val="15000"/>
+            </a:schemeClr>
+          </a:lnRef>
+          <a:fillRef idx="1">
+            <a:schemeClr val="accent1"/>
+          </a:fillRef>
+          <a:effectRef idx="0">
+            <a:schemeClr val="accent1"/>
+          </a:effectRef>
+          <a:fontRef idx="minor">
+            <a:schemeClr val="lt1"/>
+          </a:fontRef>
+        </p:style>
+        <p:txBody>
+          <a:bodyPr rtlCol="0" anchor="ctr"/>
+          <a:lstStyle/>
+          <a:p>
+            <a:pPr algn="ctr"/>
+            <a:r>
+              <a:rPr lang="en-US" sz="4000" dirty="0">
+                <a:solidFill>
+                  <a:schemeClr val="bg1"/>
+                </a:solidFill>
+              </a:rPr>
+              <a:t>hazard_ratios</a:t>
+            </a:r>
+          </a:p>
+        </p:txBody>
+      </p:sp>
+      <p:sp>
+        <p:nvSpPr>
+          <p:cNvPr id="8" name="Rounded Rectangle 7">
+            <a:extLst>
+              <a:ext uri="{FF2B5EF4-FFF2-40B4-BE49-F238E27FC236}">
+                <a16:creationId xmlns:a16="http://schemas.microsoft.com/office/drawing/2014/main" id="{59F380CB-FEEC-9EA8-B227-B6D5DC22614A}"/>
+              </a:ext>
+            </a:extLst>
+          </p:cNvPr>
+          <p:cNvSpPr/>
+          <p:nvPr/>
+        </p:nvSpPr>
+        <p:spPr>
+          <a:xfrm>
+            <a:off x="7585666" y="3926413"/>
+            <a:ext cx="1806043" cy="991293"/>
+          </a:xfrm>
+          <a:prstGeom prst="roundRect">
+            <a:avLst/>
+          </a:prstGeom>
+          <a:solidFill>
+            <a:srgbClr val="354823"/>
+          </a:solidFill>
+          <a:ln>
+            <a:noFill/>
+          </a:ln>
+        </p:spPr>
+        <p:style>
+          <a:lnRef idx="2">
+            <a:schemeClr val="accent1">
+              <a:shade val="15000"/>
+            </a:schemeClr>
+          </a:lnRef>
+          <a:fillRef idx="1">
+            <a:schemeClr val="accent1"/>
+          </a:fillRef>
+          <a:effectRef idx="0">
+            <a:schemeClr val="accent1"/>
+          </a:effectRef>
+          <a:fontRef idx="minor">
+            <a:schemeClr val="lt1"/>
+          </a:fontRef>
+        </p:style>
+        <p:txBody>
+          <a:bodyPr rtlCol="0" anchor="ctr"/>
+          <a:lstStyle/>
+          <a:p>
+            <a:pPr algn="ctr"/>
+            <a:r>
+              <a:rPr lang="en-US" sz="4800" dirty="0">
+                <a:solidFill>
+                  <a:schemeClr val="bg1"/>
+                </a:solidFill>
+              </a:rPr>
+              <a:t>plot</a:t>
+            </a:r>
+          </a:p>
+        </p:txBody>
+      </p:sp>
+      <p:cxnSp>
+        <p:nvCxnSpPr>
+          <p:cNvPr id="21" name="Curved Connector 20">
+            <a:extLst>
+              <a:ext uri="{FF2B5EF4-FFF2-40B4-BE49-F238E27FC236}">
+                <a16:creationId xmlns:a16="http://schemas.microsoft.com/office/drawing/2014/main" id="{B80A38D0-AC45-F359-E9C5-867F9F690B75}"/>
+              </a:ext>
+            </a:extLst>
+          </p:cNvPr>
+          <p:cNvCxnSpPr>
+            <a:cxnSpLocks/>
+            <a:stCxn id="7" idx="3"/>
+            <a:endCxn id="2" idx="1"/>
+          </p:cNvCxnSpPr>
+          <p:nvPr/>
+        </p:nvCxnSpPr>
+        <p:spPr>
+          <a:xfrm flipV="1">
+            <a:off x="3461269" y="3091833"/>
+            <a:ext cx="903021" cy="1327248"/>
+          </a:xfrm>
+          <a:prstGeom prst="curvedConnector3">
+            <a:avLst/>
+          </a:prstGeom>
+          <a:ln w="38100">
+            <a:tailEnd type="triangle"/>
+          </a:ln>
+        </p:spPr>
+        <p:style>
+          <a:lnRef idx="2">
+            <a:schemeClr val="dk1"/>
+          </a:lnRef>
+          <a:fillRef idx="0">
+            <a:schemeClr val="dk1"/>
+          </a:fillRef>
+          <a:effectRef idx="1">
+            <a:schemeClr val="dk1"/>
+          </a:effectRef>
+          <a:fontRef idx="minor">
+            <a:schemeClr val="tx1"/>
+          </a:fontRef>
+        </p:style>
+      </p:cxnSp>
+      <p:cxnSp>
+        <p:nvCxnSpPr>
+          <p:cNvPr id="28" name="Curved Connector 27">
+            <a:extLst>
+              <a:ext uri="{FF2B5EF4-FFF2-40B4-BE49-F238E27FC236}">
+                <a16:creationId xmlns:a16="http://schemas.microsoft.com/office/drawing/2014/main" id="{42BB4ED8-7064-5458-1A2E-A74450BAAFF7}"/>
+              </a:ext>
+            </a:extLst>
+          </p:cNvPr>
+          <p:cNvCxnSpPr>
+            <a:cxnSpLocks/>
+            <a:stCxn id="2" idx="3"/>
+            <a:endCxn id="8" idx="1"/>
+          </p:cNvCxnSpPr>
+          <p:nvPr/>
+        </p:nvCxnSpPr>
+        <p:spPr>
+          <a:xfrm>
+            <a:off x="6775454" y="3091833"/>
+            <a:ext cx="810212" cy="1330227"/>
+          </a:xfrm>
+          <a:prstGeom prst="curvedConnector3">
+            <a:avLst/>
+          </a:prstGeom>
+          <a:ln w="38100">
+            <a:tailEnd type="triangle"/>
+          </a:ln>
+        </p:spPr>
+        <p:style>
+          <a:lnRef idx="2">
+            <a:schemeClr val="dk1"/>
+          </a:lnRef>
+          <a:fillRef idx="0">
+            <a:schemeClr val="dk1"/>
+          </a:fillRef>
+          <a:effectRef idx="1">
+            <a:schemeClr val="dk1"/>
+          </a:effectRef>
+          <a:fontRef idx="minor">
+            <a:schemeClr val="tx1"/>
+          </a:fontRef>
+        </p:style>
+      </p:cxnSp>
+      <p:cxnSp>
+        <p:nvCxnSpPr>
+          <p:cNvPr id="31" name="Curved Connector 30">
+            <a:extLst>
+              <a:ext uri="{FF2B5EF4-FFF2-40B4-BE49-F238E27FC236}">
+                <a16:creationId xmlns:a16="http://schemas.microsoft.com/office/drawing/2014/main" id="{2FE0CC77-5BBF-D949-2B4D-7A5C1A9BC66E}"/>
+              </a:ext>
+            </a:extLst>
+          </p:cNvPr>
+          <p:cNvCxnSpPr>
+            <a:cxnSpLocks/>
+            <a:stCxn id="3" idx="3"/>
+            <a:endCxn id="8" idx="1"/>
+          </p:cNvCxnSpPr>
+          <p:nvPr/>
+        </p:nvCxnSpPr>
+        <p:spPr>
+          <a:xfrm flipV="1">
+            <a:off x="6775454" y="4422060"/>
+            <a:ext cx="810212" cy="1819916"/>
+          </a:xfrm>
+          <a:prstGeom prst="curvedConnector3">
+            <a:avLst/>
+          </a:prstGeom>
+          <a:ln w="38100">
+            <a:tailEnd type="triangle"/>
+          </a:ln>
+        </p:spPr>
+        <p:style>
+          <a:lnRef idx="2">
+            <a:schemeClr val="dk1"/>
+          </a:lnRef>
+          <a:fillRef idx="0">
+            <a:schemeClr val="dk1"/>
+          </a:fillRef>
+          <a:effectRef idx="1">
+            <a:schemeClr val="dk1"/>
+          </a:effectRef>
+          <a:fontRef idx="minor">
+            <a:schemeClr val="tx1"/>
+          </a:fontRef>
+        </p:style>
+      </p:cxnSp>
+      <p:cxnSp>
+        <p:nvCxnSpPr>
+          <p:cNvPr id="19" name="Curved Connector 18">
+            <a:extLst>
+              <a:ext uri="{FF2B5EF4-FFF2-40B4-BE49-F238E27FC236}">
+                <a16:creationId xmlns:a16="http://schemas.microsoft.com/office/drawing/2014/main" id="{63D4C774-AA25-A5B3-5379-47DA00AFEE29}"/>
+              </a:ext>
+            </a:extLst>
+          </p:cNvPr>
+          <p:cNvCxnSpPr>
+            <a:cxnSpLocks/>
+            <a:stCxn id="7" idx="3"/>
+            <a:endCxn id="3" idx="1"/>
+          </p:cNvCxnSpPr>
+          <p:nvPr/>
+        </p:nvCxnSpPr>
+        <p:spPr>
+          <a:xfrm>
+            <a:off x="3461269" y="4419081"/>
+            <a:ext cx="903021" cy="1822895"/>
+          </a:xfrm>
+          <a:prstGeom prst="curvedConnector3">
+            <a:avLst/>
+          </a:prstGeom>
+          <a:ln w="38100">
+            <a:tailEnd type="triangle"/>
+          </a:ln>
+        </p:spPr>
+        <p:style>
+          <a:lnRef idx="2">
+            <a:schemeClr val="dk1"/>
+          </a:lnRef>
+          <a:fillRef idx="0">
+            <a:schemeClr val="dk1"/>
+          </a:fillRef>
+          <a:effectRef idx="1">
+            <a:schemeClr val="dk1"/>
+          </a:effectRef>
+          <a:fontRef idx="minor">
+            <a:schemeClr val="tx1"/>
+          </a:fontRef>
+        </p:style>
+      </p:cxnSp>
+      <p:sp>
+        <p:nvSpPr>
+          <p:cNvPr id="44" name="Rounded Rectangle 43">
+            <a:extLst>
+              <a:ext uri="{FF2B5EF4-FFF2-40B4-BE49-F238E27FC236}">
+                <a16:creationId xmlns:a16="http://schemas.microsoft.com/office/drawing/2014/main" id="{8C741849-D391-71A5-7E4B-3F2C34E72D44}"/>
+              </a:ext>
+            </a:extLst>
+          </p:cNvPr>
+          <p:cNvSpPr/>
+          <p:nvPr/>
+        </p:nvSpPr>
+        <p:spPr>
+          <a:xfrm>
+            <a:off x="10008967" y="3926413"/>
+            <a:ext cx="2104373" cy="991292"/>
+          </a:xfrm>
+          <a:prstGeom prst="roundRect">
+            <a:avLst/>
+          </a:prstGeom>
+          <a:solidFill>
+            <a:srgbClr val="354823"/>
+          </a:solidFill>
+          <a:ln>
+            <a:noFill/>
+          </a:ln>
+        </p:spPr>
+        <p:style>
+          <a:lnRef idx="2">
+            <a:schemeClr val="accent1">
+              <a:shade val="15000"/>
+            </a:schemeClr>
+          </a:lnRef>
+          <a:fillRef idx="1">
+            <a:schemeClr val="accent1"/>
+          </a:fillRef>
+          <a:effectRef idx="0">
+            <a:schemeClr val="accent1"/>
+          </a:effectRef>
+          <a:fontRef idx="minor">
+            <a:schemeClr val="lt1"/>
+          </a:fontRef>
+        </p:style>
+        <p:txBody>
+          <a:bodyPr rtlCol="0" anchor="ctr"/>
+          <a:lstStyle/>
+          <a:p>
+            <a:pPr algn="ctr"/>
+            <a:r>
+              <a:rPr lang="en-US" sz="4800" dirty="0">
+                <a:solidFill>
+                  <a:schemeClr val="bg1"/>
+                </a:solidFill>
+              </a:rPr>
+              <a:t>quarto</a:t>
+            </a:r>
+          </a:p>
+        </p:txBody>
+      </p:sp>
+      <p:cxnSp>
+        <p:nvCxnSpPr>
+          <p:cNvPr id="47" name="Curved Connector 46">
+            <a:extLst>
+              <a:ext uri="{FF2B5EF4-FFF2-40B4-BE49-F238E27FC236}">
+                <a16:creationId xmlns:a16="http://schemas.microsoft.com/office/drawing/2014/main" id="{DB501A7D-9282-D6A2-E547-757E27296C3A}"/>
+              </a:ext>
+            </a:extLst>
+          </p:cNvPr>
+          <p:cNvCxnSpPr>
+            <a:cxnSpLocks/>
+            <a:stCxn id="8" idx="3"/>
+            <a:endCxn id="44" idx="1"/>
+          </p:cNvCxnSpPr>
+          <p:nvPr/>
+        </p:nvCxnSpPr>
+        <p:spPr>
+          <a:xfrm flipV="1">
+            <a:off x="9391709" y="4422059"/>
+            <a:ext cx="617258" cy="1"/>
+          </a:xfrm>
+          <a:prstGeom prst="curvedConnector3">
+            <a:avLst/>
+          </a:prstGeom>
+          <a:ln w="38100">
+            <a:tailEnd type="triangle"/>
+          </a:ln>
+        </p:spPr>
+        <p:style>
+          <a:lnRef idx="2">
+            <a:schemeClr val="dk1"/>
+          </a:lnRef>
+          <a:fillRef idx="0">
+            <a:schemeClr val="dk1"/>
+          </a:fillRef>
+          <a:effectRef idx="1">
+            <a:schemeClr val="dk1"/>
+          </a:effectRef>
+          <a:fontRef idx="minor">
+            <a:schemeClr val="tx1"/>
+          </a:fontRef>
+        </p:style>
+      </p:cxnSp>
+    </p:spTree>
+    <p:extLst>
+      <p:ext uri="{BB962C8B-B14F-4D97-AF65-F5344CB8AC3E}">
+        <p14:creationId xmlns:p14="http://schemas.microsoft.com/office/powerpoint/2010/main" val="1769641892"/>
       </p:ext>
     </p:extLst>
   </p:cSld>
